--- a/Взломы с GPU/Атаки с GPU.pptx
+++ b/Взломы с GPU/Атаки с GPU.pptx
@@ -4,6 +4,9 @@
   <p:sldMasterIdLst>
     <p:sldMasterId id="2147483648" r:id="rId1"/>
   </p:sldMasterIdLst>
+  <p:notesMasterIdLst>
+    <p:notesMasterId r:id="rId24"/>
+  </p:notesMasterIdLst>
   <p:sldIdLst>
     <p:sldId id="256" r:id="rId2"/>
     <p:sldId id="257" r:id="rId3"/>
@@ -18,6 +21,15 @@
     <p:sldId id="266" r:id="rId12"/>
     <p:sldId id="267" r:id="rId13"/>
     <p:sldId id="268" r:id="rId14"/>
+    <p:sldId id="269" r:id="rId15"/>
+    <p:sldId id="270" r:id="rId16"/>
+    <p:sldId id="271" r:id="rId17"/>
+    <p:sldId id="272" r:id="rId18"/>
+    <p:sldId id="273" r:id="rId19"/>
+    <p:sldId id="274" r:id="rId20"/>
+    <p:sldId id="275" r:id="rId21"/>
+    <p:sldId id="276" r:id="rId22"/>
+    <p:sldId id="277" r:id="rId23"/>
   </p:sldIdLst>
   <p:sldSz cx="12192000" cy="6858000"/>
   <p:notesSz cx="6858000" cy="9144000"/>
@@ -116,6 +128,11 @@
       </a:defRPr>
     </a:lvl9pPr>
   </p:defaultTextStyle>
+  <p:extLst>
+    <p:ext uri="{EFAFB233-063F-42B5-8137-9DF3F51BA10A}">
+      <p15:sldGuideLst xmlns:p15="http://schemas.microsoft.com/office/powerpoint/2012/main"/>
+    </p:ext>
+  </p:extLst>
 </p:presentation>
 </file>
 
@@ -5891,6 +5908,355 @@
 </dgm:styleDef>
 </file>
 
+<file path=ppt/notesMasters/notesMaster1.xml><?xml version="1.0" encoding="utf-8"?>
+<p:notesMaster xmlns:a="http://schemas.openxmlformats.org/drawingml/2006/main" xmlns:r="http://schemas.openxmlformats.org/officeDocument/2006/relationships" xmlns:p="http://schemas.openxmlformats.org/presentationml/2006/main">
+  <p:cSld>
+    <p:bg>
+      <p:bgRef idx="1001">
+        <a:schemeClr val="bg1"/>
+      </p:bgRef>
+    </p:bg>
+    <p:spTree>
+      <p:nvGrpSpPr>
+        <p:cNvPr id="1" name=""/>
+        <p:cNvGrpSpPr/>
+        <p:nvPr/>
+      </p:nvGrpSpPr>
+      <p:grpSpPr>
+        <a:xfrm>
+          <a:off x="0" y="0"/>
+          <a:ext cx="0" cy="0"/>
+          <a:chOff x="0" y="0"/>
+          <a:chExt cx="0" cy="0"/>
+        </a:xfrm>
+      </p:grpSpPr>
+      <p:sp>
+        <p:nvSpPr>
+          <p:cNvPr id="2" name="Верхний колонтитул 1"/>
+          <p:cNvSpPr>
+            <a:spLocks noGrp="1"/>
+          </p:cNvSpPr>
+          <p:nvPr>
+            <p:ph type="hdr" sz="quarter"/>
+          </p:nvPr>
+        </p:nvSpPr>
+        <p:spPr>
+          <a:xfrm>
+            <a:off x="0" y="0"/>
+            <a:ext cx="2971800" cy="458788"/>
+          </a:xfrm>
+          <a:prstGeom prst="rect">
+            <a:avLst/>
+          </a:prstGeom>
+        </p:spPr>
+        <p:txBody>
+          <a:bodyPr vert="horz" lIns="91440" tIns="45720" rIns="91440" bIns="45720" rtlCol="0"/>
+          <a:lstStyle>
+            <a:lvl1pPr algn="l">
+              <a:defRPr sz="1200"/>
+            </a:lvl1pPr>
+          </a:lstStyle>
+          <a:p>
+            <a:endParaRPr lang="ru-RU"/>
+          </a:p>
+        </p:txBody>
+      </p:sp>
+      <p:sp>
+        <p:nvSpPr>
+          <p:cNvPr id="3" name="Дата 2"/>
+          <p:cNvSpPr>
+            <a:spLocks noGrp="1"/>
+          </p:cNvSpPr>
+          <p:nvPr>
+            <p:ph type="dt" idx="1"/>
+          </p:nvPr>
+        </p:nvSpPr>
+        <p:spPr>
+          <a:xfrm>
+            <a:off x="3884613" y="0"/>
+            <a:ext cx="2971800" cy="458788"/>
+          </a:xfrm>
+          <a:prstGeom prst="rect">
+            <a:avLst/>
+          </a:prstGeom>
+        </p:spPr>
+        <p:txBody>
+          <a:bodyPr vert="horz" lIns="91440" tIns="45720" rIns="91440" bIns="45720" rtlCol="0"/>
+          <a:lstStyle>
+            <a:lvl1pPr algn="r">
+              <a:defRPr sz="1200"/>
+            </a:lvl1pPr>
+          </a:lstStyle>
+          <a:p>
+            <a:fld id="{594D62AC-AEDC-442B-BBF7-41C994C0B906}" type="datetimeFigureOut">
+              <a:rPr lang="ru-RU" smtClean="0"/>
+              <a:t>13.04.2017</a:t>
+            </a:fld>
+            <a:endParaRPr lang="ru-RU"/>
+          </a:p>
+        </p:txBody>
+      </p:sp>
+      <p:sp>
+        <p:nvSpPr>
+          <p:cNvPr id="4" name="Образ слайда 3"/>
+          <p:cNvSpPr>
+            <a:spLocks noGrp="1" noRot="1" noChangeAspect="1"/>
+          </p:cNvSpPr>
+          <p:nvPr>
+            <p:ph type="sldImg" idx="2"/>
+          </p:nvPr>
+        </p:nvSpPr>
+        <p:spPr>
+          <a:xfrm>
+            <a:off x="685800" y="1143000"/>
+            <a:ext cx="5486400" cy="3086100"/>
+          </a:xfrm>
+          <a:prstGeom prst="rect">
+            <a:avLst/>
+          </a:prstGeom>
+          <a:noFill/>
+          <a:ln w="12700">
+            <a:solidFill>
+              <a:prstClr val="black"/>
+            </a:solidFill>
+          </a:ln>
+        </p:spPr>
+        <p:txBody>
+          <a:bodyPr vert="horz" lIns="91440" tIns="45720" rIns="91440" bIns="45720" rtlCol="0" anchor="ctr"/>
+          <a:lstStyle/>
+          <a:p>
+            <a:endParaRPr lang="ru-RU"/>
+          </a:p>
+        </p:txBody>
+      </p:sp>
+      <p:sp>
+        <p:nvSpPr>
+          <p:cNvPr id="5" name="Заметки 4"/>
+          <p:cNvSpPr>
+            <a:spLocks noGrp="1"/>
+          </p:cNvSpPr>
+          <p:nvPr>
+            <p:ph type="body" sz="quarter" idx="3"/>
+          </p:nvPr>
+        </p:nvSpPr>
+        <p:spPr>
+          <a:xfrm>
+            <a:off x="685800" y="4400550"/>
+            <a:ext cx="5486400" cy="3600450"/>
+          </a:xfrm>
+          <a:prstGeom prst="rect">
+            <a:avLst/>
+          </a:prstGeom>
+        </p:spPr>
+        <p:txBody>
+          <a:bodyPr vert="horz" lIns="91440" tIns="45720" rIns="91440" bIns="45720" rtlCol="0"/>
+          <a:lstStyle/>
+          <a:p>
+            <a:pPr lvl="0"/>
+            <a:r>
+              <a:rPr lang="ru-RU"/>
+              <a:t>Образец текста</a:t>
+            </a:r>
+          </a:p>
+          <a:p>
+            <a:pPr lvl="1"/>
+            <a:r>
+              <a:rPr lang="ru-RU"/>
+              <a:t>Второй уровень</a:t>
+            </a:r>
+          </a:p>
+          <a:p>
+            <a:pPr lvl="2"/>
+            <a:r>
+              <a:rPr lang="ru-RU"/>
+              <a:t>Третий уровень</a:t>
+            </a:r>
+          </a:p>
+          <a:p>
+            <a:pPr lvl="3"/>
+            <a:r>
+              <a:rPr lang="ru-RU"/>
+              <a:t>Четвертый уровень</a:t>
+            </a:r>
+          </a:p>
+          <a:p>
+            <a:pPr lvl="4"/>
+            <a:r>
+              <a:rPr lang="ru-RU"/>
+              <a:t>Пятый уровень</a:t>
+            </a:r>
+          </a:p>
+        </p:txBody>
+      </p:sp>
+      <p:sp>
+        <p:nvSpPr>
+          <p:cNvPr id="6" name="Нижний колонтитул 5"/>
+          <p:cNvSpPr>
+            <a:spLocks noGrp="1"/>
+          </p:cNvSpPr>
+          <p:nvPr>
+            <p:ph type="ftr" sz="quarter" idx="4"/>
+          </p:nvPr>
+        </p:nvSpPr>
+        <p:spPr>
+          <a:xfrm>
+            <a:off x="0" y="8685213"/>
+            <a:ext cx="2971800" cy="458787"/>
+          </a:xfrm>
+          <a:prstGeom prst="rect">
+            <a:avLst/>
+          </a:prstGeom>
+        </p:spPr>
+        <p:txBody>
+          <a:bodyPr vert="horz" lIns="91440" tIns="45720" rIns="91440" bIns="45720" rtlCol="0" anchor="b"/>
+          <a:lstStyle>
+            <a:lvl1pPr algn="l">
+              <a:defRPr sz="1200"/>
+            </a:lvl1pPr>
+          </a:lstStyle>
+          <a:p>
+            <a:endParaRPr lang="ru-RU"/>
+          </a:p>
+        </p:txBody>
+      </p:sp>
+      <p:sp>
+        <p:nvSpPr>
+          <p:cNvPr id="7" name="Номер слайда 6"/>
+          <p:cNvSpPr>
+            <a:spLocks noGrp="1"/>
+          </p:cNvSpPr>
+          <p:nvPr>
+            <p:ph type="sldNum" sz="quarter" idx="5"/>
+          </p:nvPr>
+        </p:nvSpPr>
+        <p:spPr>
+          <a:xfrm>
+            <a:off x="3884613" y="8685213"/>
+            <a:ext cx="2971800" cy="458787"/>
+          </a:xfrm>
+          <a:prstGeom prst="rect">
+            <a:avLst/>
+          </a:prstGeom>
+        </p:spPr>
+        <p:txBody>
+          <a:bodyPr vert="horz" lIns="91440" tIns="45720" rIns="91440" bIns="45720" rtlCol="0" anchor="b"/>
+          <a:lstStyle>
+            <a:lvl1pPr algn="r">
+              <a:defRPr sz="1200"/>
+            </a:lvl1pPr>
+          </a:lstStyle>
+          <a:p>
+            <a:fld id="{9388BFFE-11FC-4BDE-860C-FAAFF74E06E4}" type="slidenum">
+              <a:rPr lang="ru-RU" smtClean="0"/>
+              <a:t>‹#›</a:t>
+            </a:fld>
+            <a:endParaRPr lang="ru-RU"/>
+          </a:p>
+        </p:txBody>
+      </p:sp>
+    </p:spTree>
+    <p:extLst>
+      <p:ext uri="{BB962C8B-B14F-4D97-AF65-F5344CB8AC3E}">
+        <p14:creationId xmlns:p14="http://schemas.microsoft.com/office/powerpoint/2010/main" val="2709428970"/>
+      </p:ext>
+    </p:extLst>
+  </p:cSld>
+  <p:clrMap bg1="lt1" tx1="dk1" bg2="lt2" tx2="dk2" accent1="accent1" accent2="accent2" accent3="accent3" accent4="accent4" accent5="accent5" accent6="accent6" hlink="hlink" folHlink="folHlink"/>
+  <p:notesStyle>
+    <a:lvl1pPr marL="0" algn="l" defTabSz="914400" rtl="0" eaLnBrk="1" latinLnBrk="0" hangingPunct="1">
+      <a:defRPr sz="1200" kern="1200">
+        <a:solidFill>
+          <a:schemeClr val="tx1"/>
+        </a:solidFill>
+        <a:latin typeface="+mn-lt"/>
+        <a:ea typeface="+mn-ea"/>
+        <a:cs typeface="+mn-cs"/>
+      </a:defRPr>
+    </a:lvl1pPr>
+    <a:lvl2pPr marL="457200" algn="l" defTabSz="914400" rtl="0" eaLnBrk="1" latinLnBrk="0" hangingPunct="1">
+      <a:defRPr sz="1200" kern="1200">
+        <a:solidFill>
+          <a:schemeClr val="tx1"/>
+        </a:solidFill>
+        <a:latin typeface="+mn-lt"/>
+        <a:ea typeface="+mn-ea"/>
+        <a:cs typeface="+mn-cs"/>
+      </a:defRPr>
+    </a:lvl2pPr>
+    <a:lvl3pPr marL="914400" algn="l" defTabSz="914400" rtl="0" eaLnBrk="1" latinLnBrk="0" hangingPunct="1">
+      <a:defRPr sz="1200" kern="1200">
+        <a:solidFill>
+          <a:schemeClr val="tx1"/>
+        </a:solidFill>
+        <a:latin typeface="+mn-lt"/>
+        <a:ea typeface="+mn-ea"/>
+        <a:cs typeface="+mn-cs"/>
+      </a:defRPr>
+    </a:lvl3pPr>
+    <a:lvl4pPr marL="1371600" algn="l" defTabSz="914400" rtl="0" eaLnBrk="1" latinLnBrk="0" hangingPunct="1">
+      <a:defRPr sz="1200" kern="1200">
+        <a:solidFill>
+          <a:schemeClr val="tx1"/>
+        </a:solidFill>
+        <a:latin typeface="+mn-lt"/>
+        <a:ea typeface="+mn-ea"/>
+        <a:cs typeface="+mn-cs"/>
+      </a:defRPr>
+    </a:lvl4pPr>
+    <a:lvl5pPr marL="1828800" algn="l" defTabSz="914400" rtl="0" eaLnBrk="1" latinLnBrk="0" hangingPunct="1">
+      <a:defRPr sz="1200" kern="1200">
+        <a:solidFill>
+          <a:schemeClr val="tx1"/>
+        </a:solidFill>
+        <a:latin typeface="+mn-lt"/>
+        <a:ea typeface="+mn-ea"/>
+        <a:cs typeface="+mn-cs"/>
+      </a:defRPr>
+    </a:lvl5pPr>
+    <a:lvl6pPr marL="2286000" algn="l" defTabSz="914400" rtl="0" eaLnBrk="1" latinLnBrk="0" hangingPunct="1">
+      <a:defRPr sz="1200" kern="1200">
+        <a:solidFill>
+          <a:schemeClr val="tx1"/>
+        </a:solidFill>
+        <a:latin typeface="+mn-lt"/>
+        <a:ea typeface="+mn-ea"/>
+        <a:cs typeface="+mn-cs"/>
+      </a:defRPr>
+    </a:lvl6pPr>
+    <a:lvl7pPr marL="2743200" algn="l" defTabSz="914400" rtl="0" eaLnBrk="1" latinLnBrk="0" hangingPunct="1">
+      <a:defRPr sz="1200" kern="1200">
+        <a:solidFill>
+          <a:schemeClr val="tx1"/>
+        </a:solidFill>
+        <a:latin typeface="+mn-lt"/>
+        <a:ea typeface="+mn-ea"/>
+        <a:cs typeface="+mn-cs"/>
+      </a:defRPr>
+    </a:lvl7pPr>
+    <a:lvl8pPr marL="3200400" algn="l" defTabSz="914400" rtl="0" eaLnBrk="1" latinLnBrk="0" hangingPunct="1">
+      <a:defRPr sz="1200" kern="1200">
+        <a:solidFill>
+          <a:schemeClr val="tx1"/>
+        </a:solidFill>
+        <a:latin typeface="+mn-lt"/>
+        <a:ea typeface="+mn-ea"/>
+        <a:cs typeface="+mn-cs"/>
+      </a:defRPr>
+    </a:lvl8pPr>
+    <a:lvl9pPr marL="3657600" algn="l" defTabSz="914400" rtl="0" eaLnBrk="1" latinLnBrk="0" hangingPunct="1">
+      <a:defRPr sz="1200" kern="1200">
+        <a:solidFill>
+          <a:schemeClr val="tx1"/>
+        </a:solidFill>
+        <a:latin typeface="+mn-lt"/>
+        <a:ea typeface="+mn-ea"/>
+        <a:cs typeface="+mn-cs"/>
+      </a:defRPr>
+    </a:lvl9pPr>
+  </p:notesStyle>
+</p:notesMaster>
+</file>
+
 <file path=ppt/slideLayouts/slideLayout1.xml><?xml version="1.0" encoding="utf-8"?>
 <p:sldLayout xmlns:a="http://schemas.openxmlformats.org/drawingml/2006/main" xmlns:r="http://schemas.openxmlformats.org/officeDocument/2006/relationships" xmlns:p="http://schemas.openxmlformats.org/presentationml/2006/main" type="title" preserve="1">
   <p:cSld name="Титульный слайд">
@@ -6020,7 +6386,7 @@
           <a:p>
             <a:fld id="{6CA628FF-DEE4-413E-AAEF-6CCE926ABE45}" type="datetimeFigureOut">
               <a:rPr lang="ru-RU" smtClean="0"/>
-              <a:t>11.04.2017</a:t>
+              <a:t>13.04.2017</a:t>
             </a:fld>
             <a:endParaRPr lang="ru-RU"/>
           </a:p>
@@ -6188,7 +6554,7 @@
           <a:p>
             <a:fld id="{6CA628FF-DEE4-413E-AAEF-6CCE926ABE45}" type="datetimeFigureOut">
               <a:rPr lang="ru-RU" smtClean="0"/>
-              <a:t>11.04.2017</a:t>
+              <a:t>13.04.2017</a:t>
             </a:fld>
             <a:endParaRPr lang="ru-RU"/>
           </a:p>
@@ -6366,7 +6732,7 @@
           <a:p>
             <a:fld id="{6CA628FF-DEE4-413E-AAEF-6CCE926ABE45}" type="datetimeFigureOut">
               <a:rPr lang="ru-RU" smtClean="0"/>
-              <a:t>11.04.2017</a:t>
+              <a:t>13.04.2017</a:t>
             </a:fld>
             <a:endParaRPr lang="ru-RU"/>
           </a:p>
@@ -6534,7 +6900,7 @@
           <a:p>
             <a:fld id="{6CA628FF-DEE4-413E-AAEF-6CCE926ABE45}" type="datetimeFigureOut">
               <a:rPr lang="ru-RU" smtClean="0"/>
-              <a:t>11.04.2017</a:t>
+              <a:t>13.04.2017</a:t>
             </a:fld>
             <a:endParaRPr lang="ru-RU"/>
           </a:p>
@@ -6779,7 +7145,7 @@
           <a:p>
             <a:fld id="{6CA628FF-DEE4-413E-AAEF-6CCE926ABE45}" type="datetimeFigureOut">
               <a:rPr lang="ru-RU" smtClean="0"/>
-              <a:t>11.04.2017</a:t>
+              <a:t>13.04.2017</a:t>
             </a:fld>
             <a:endParaRPr lang="ru-RU"/>
           </a:p>
@@ -7008,7 +7374,7 @@
           <a:p>
             <a:fld id="{6CA628FF-DEE4-413E-AAEF-6CCE926ABE45}" type="datetimeFigureOut">
               <a:rPr lang="ru-RU" smtClean="0"/>
-              <a:t>11.04.2017</a:t>
+              <a:t>13.04.2017</a:t>
             </a:fld>
             <a:endParaRPr lang="ru-RU"/>
           </a:p>
@@ -7372,7 +7738,7 @@
           <a:p>
             <a:fld id="{6CA628FF-DEE4-413E-AAEF-6CCE926ABE45}" type="datetimeFigureOut">
               <a:rPr lang="ru-RU" smtClean="0"/>
-              <a:t>11.04.2017</a:t>
+              <a:t>13.04.2017</a:t>
             </a:fld>
             <a:endParaRPr lang="ru-RU"/>
           </a:p>
@@ -7489,7 +7855,7 @@
           <a:p>
             <a:fld id="{6CA628FF-DEE4-413E-AAEF-6CCE926ABE45}" type="datetimeFigureOut">
               <a:rPr lang="ru-RU" smtClean="0"/>
-              <a:t>11.04.2017</a:t>
+              <a:t>13.04.2017</a:t>
             </a:fld>
             <a:endParaRPr lang="ru-RU"/>
           </a:p>
@@ -7584,7 +7950,7 @@
           <a:p>
             <a:fld id="{6CA628FF-DEE4-413E-AAEF-6CCE926ABE45}" type="datetimeFigureOut">
               <a:rPr lang="ru-RU" smtClean="0"/>
-              <a:t>11.04.2017</a:t>
+              <a:t>13.04.2017</a:t>
             </a:fld>
             <a:endParaRPr lang="ru-RU"/>
           </a:p>
@@ -7859,7 +8225,7 @@
           <a:p>
             <a:fld id="{6CA628FF-DEE4-413E-AAEF-6CCE926ABE45}" type="datetimeFigureOut">
               <a:rPr lang="ru-RU" smtClean="0"/>
-              <a:t>11.04.2017</a:t>
+              <a:t>13.04.2017</a:t>
             </a:fld>
             <a:endParaRPr lang="ru-RU"/>
           </a:p>
@@ -8111,7 +8477,7 @@
           <a:p>
             <a:fld id="{6CA628FF-DEE4-413E-AAEF-6CCE926ABE45}" type="datetimeFigureOut">
               <a:rPr lang="ru-RU" smtClean="0"/>
-              <a:t>11.04.2017</a:t>
+              <a:t>13.04.2017</a:t>
             </a:fld>
             <a:endParaRPr lang="ru-RU"/>
           </a:p>
@@ -8176,9 +8542,14 @@
 <p:sldMaster xmlns:a="http://schemas.openxmlformats.org/drawingml/2006/main" xmlns:r="http://schemas.openxmlformats.org/officeDocument/2006/relationships" xmlns:p="http://schemas.openxmlformats.org/presentationml/2006/main">
   <p:cSld>
     <p:bg>
-      <p:bgRef idx="1001">
-        <a:schemeClr val="bg1"/>
-      </p:bgRef>
+      <p:bgPr>
+        <a:blipFill dpi="0" rotWithShape="1">
+          <a:blip r:embed="rId13"/>
+          <a:srcRect/>
+          <a:tile tx="0" ty="0" sx="100000" sy="100000" flip="none" algn="tl"/>
+        </a:blipFill>
+        <a:effectLst/>
+      </p:bgPr>
     </p:bg>
     <p:spTree>
       <p:nvGrpSpPr>
@@ -8322,7 +8693,7 @@
           <a:p>
             <a:fld id="{6CA628FF-DEE4-413E-AAEF-6CCE926ABE45}" type="datetimeFigureOut">
               <a:rPr lang="ru-RU" smtClean="0"/>
-              <a:t>11.04.2017</a:t>
+              <a:t>13.04.2017</a:t>
             </a:fld>
             <a:endParaRPr lang="ru-RU"/>
           </a:p>
@@ -8737,13 +9108,26 @@
             <p:ph type="ctrTitle"/>
           </p:nvPr>
         </p:nvSpPr>
-        <p:spPr/>
+        <p:spPr>
+          <a:xfrm>
+            <a:off x="1061156" y="1122362"/>
+            <a:ext cx="10171288" cy="3675415"/>
+          </a:xfrm>
+        </p:spPr>
         <p:txBody>
-          <a:bodyPr/>
+          <a:bodyPr>
+            <a:normAutofit/>
+          </a:bodyPr>
           <a:lstStyle/>
           <a:p>
             <a:r>
-              <a:rPr lang="ru-RU" dirty="0"/>
+              <a:rPr lang="ru-RU" sz="9600" b="1" dirty="0">
+                <a:solidFill>
+                  <a:schemeClr val="accent6">
+                    <a:lumMod val="50000"/>
+                  </a:schemeClr>
+                </a:solidFill>
+              </a:rPr>
               <a:t>Взлом паролей с применением GPU</a:t>
             </a:r>
           </a:p>
@@ -8789,12 +9173,36 @@
             <p:ph type="title"/>
           </p:nvPr>
         </p:nvSpPr>
-        <p:spPr/>
+        <p:spPr>
+          <a:xfrm>
+            <a:off x="3660648" y="174053"/>
+            <a:ext cx="4858512" cy="1325563"/>
+          </a:xfrm>
+        </p:spPr>
         <p:txBody>
-          <a:bodyPr/>
+          <a:bodyPr>
+            <a:normAutofit fontScale="90000"/>
+          </a:bodyPr>
           <a:lstStyle/>
           <a:p>
-            <a:endParaRPr lang="ru-RU"/>
+            <a:pPr algn="ctr"/>
+            <a:r>
+              <a:rPr lang="ru-RU" sz="4800" b="1" dirty="0">
+                <a:solidFill>
+                  <a:schemeClr val="accent6">
+                    <a:lumMod val="50000"/>
+                  </a:schemeClr>
+                </a:solidFill>
+              </a:rPr>
+              <a:t>Основные способы перебора пароля</a:t>
+            </a:r>
+            <a:endParaRPr lang="ru-RU" sz="6600" b="1" dirty="0">
+              <a:solidFill>
+                <a:schemeClr val="accent6">
+                  <a:lumMod val="50000"/>
+                </a:schemeClr>
+              </a:solidFill>
+            </a:endParaRPr>
           </a:p>
         </p:txBody>
       </p:sp>
@@ -8808,19 +9216,55 @@
             <p:ph idx="1"/>
           </p:nvPr>
         </p:nvSpPr>
-        <p:spPr/>
+        <p:spPr>
+          <a:xfrm>
+            <a:off x="164592" y="1938528"/>
+            <a:ext cx="11850624" cy="4590288"/>
+          </a:xfrm>
+        </p:spPr>
         <p:txBody>
-          <a:bodyPr/>
+          <a:bodyPr>
+            <a:normAutofit/>
+          </a:bodyPr>
           <a:lstStyle/>
           <a:p>
-            <a:endParaRPr lang="ru-RU"/>
+            <a:pPr lvl="0"/>
+            <a:r>
+              <a:rPr lang="ru-RU" sz="3200" dirty="0"/>
+              <a:t>Атака по словарю - для атаки используется файл, который содержит список слов. Программа проверяет каждое из слов, чтобы найти результат;</a:t>
+            </a:r>
+          </a:p>
+          <a:p>
+            <a:pPr lvl="0"/>
+            <a:r>
+              <a:rPr lang="ru-RU" sz="3200" dirty="0"/>
+              <a:t>Атака </a:t>
+            </a:r>
+            <a:r>
+              <a:rPr lang="ru-RU" sz="3200" dirty="0" err="1"/>
+              <a:t>Bruteforce</a:t>
+            </a:r>
+            <a:r>
+              <a:rPr lang="ru-RU" sz="3200" dirty="0"/>
+              <a:t> - можно не использовать словарь, а перебирать все комбинации заданных символов;</a:t>
+            </a:r>
+          </a:p>
+          <a:p>
+            <a:pPr lvl="0"/>
+            <a:r>
+              <a:rPr lang="ru-RU" sz="3200" dirty="0"/>
+              <a:t>Атака с помощью радужных таблиц - в атаке используются предварительно вычисленные хэши, поэтому она быстрее.</a:t>
+            </a:r>
+          </a:p>
+          <a:p>
+            <a:endParaRPr lang="ru-RU" sz="3600" dirty="0"/>
           </a:p>
         </p:txBody>
       </p:sp>
     </p:spTree>
     <p:extLst>
       <p:ext uri="{BB962C8B-B14F-4D97-AF65-F5344CB8AC3E}">
-        <p14:creationId xmlns:p14="http://schemas.microsoft.com/office/powerpoint/2010/main" val="612195957"/>
+        <p14:creationId xmlns:p14="http://schemas.microsoft.com/office/powerpoint/2010/main" val="3857725931"/>
       </p:ext>
     </p:extLst>
   </p:cSld>
@@ -8857,12 +9301,29 @@
             <p:ph type="title"/>
           </p:nvPr>
         </p:nvSpPr>
-        <p:spPr/>
+        <p:spPr>
+          <a:xfrm>
+            <a:off x="3660648" y="174053"/>
+            <a:ext cx="4858512" cy="1325563"/>
+          </a:xfrm>
+        </p:spPr>
         <p:txBody>
-          <a:bodyPr/>
+          <a:bodyPr>
+            <a:normAutofit/>
+          </a:bodyPr>
           <a:lstStyle/>
           <a:p>
-            <a:endParaRPr lang="ru-RU"/>
+            <a:pPr algn="ctr"/>
+            <a:r>
+              <a:rPr lang="ru-RU" b="1" dirty="0">
+                <a:solidFill>
+                  <a:schemeClr val="accent6">
+                    <a:lumMod val="50000"/>
+                  </a:schemeClr>
+                </a:solidFill>
+              </a:rPr>
+              <a:t>Взлом алгоритма MD5</a:t>
+            </a:r>
           </a:p>
         </p:txBody>
       </p:sp>
@@ -8876,19 +9337,80 @@
             <p:ph idx="1"/>
           </p:nvPr>
         </p:nvSpPr>
-        <p:spPr/>
+        <p:spPr>
+          <a:xfrm>
+            <a:off x="164592" y="1700784"/>
+            <a:ext cx="11850624" cy="5157216"/>
+          </a:xfrm>
+        </p:spPr>
         <p:txBody>
-          <a:bodyPr/>
+          <a:bodyPr>
+            <a:normAutofit/>
+          </a:bodyPr>
           <a:lstStyle/>
           <a:p>
-            <a:endParaRPr lang="ru-RU"/>
+            <a:r>
+              <a:rPr lang="ru-RU" dirty="0"/>
+              <a:t>Одним из наиболее известных и широко используемых алгоритмов хеширования является MD5.</a:t>
+            </a:r>
+          </a:p>
+          <a:p>
+            <a:r>
+              <a:rPr lang="ru-RU" dirty="0"/>
+              <a:t>Алгоритм MD5 представляет собой 128-битный алгоритм хеширования. Это значит, что он вычисляет 128-битный </a:t>
+            </a:r>
+            <a:r>
+              <a:rPr lang="ru-RU" dirty="0" err="1"/>
+              <a:t>хеш</a:t>
+            </a:r>
+            <a:r>
+              <a:rPr lang="ru-RU" dirty="0"/>
+              <a:t> для произвольного набора данных, поступающих на его вход.</a:t>
+            </a:r>
+          </a:p>
+          <a:p>
+            <a:r>
+              <a:rPr lang="ru-RU" dirty="0"/>
+              <a:t>О том, что алгоритм MD5 можно взломать, впервые заговорили в 1993 году. Через три года, в 1996-м, Ганс </a:t>
+            </a:r>
+            <a:r>
+              <a:rPr lang="ru-RU" dirty="0" err="1"/>
+              <a:t>Доббертин</a:t>
+            </a:r>
+            <a:r>
+              <a:rPr lang="ru-RU" dirty="0"/>
+              <a:t> опубликовал статью, в которой доказал наличие коллизий и описал теоретическую возможность взлома MD5. </a:t>
+            </a:r>
+          </a:p>
+          <a:p>
+            <a:r>
+              <a:rPr lang="ru-RU" dirty="0"/>
+              <a:t>Непосредственный взлом MD5 начался 1 марта 2004 года. Компания </a:t>
+            </a:r>
+            <a:r>
+              <a:rPr lang="ru-RU" dirty="0" err="1"/>
+              <a:t>CertainKey</a:t>
+            </a:r>
+            <a:r>
+              <a:rPr lang="ru-RU" dirty="0"/>
+              <a:t> </a:t>
+            </a:r>
+            <a:r>
+              <a:rPr lang="ru-RU" dirty="0" err="1"/>
+              <a:t>Cryptosystems</a:t>
+            </a:r>
+            <a:r>
+              <a:rPr lang="ru-RU" dirty="0"/>
+              <a:t> запустила проект MD5CRK — распределенную систему поиска коллизий.</a:t>
+            </a:r>
+            <a:endParaRPr lang="ru-RU" sz="3600" dirty="0"/>
           </a:p>
         </p:txBody>
       </p:sp>
     </p:spTree>
     <p:extLst>
       <p:ext uri="{BB962C8B-B14F-4D97-AF65-F5344CB8AC3E}">
-        <p14:creationId xmlns:p14="http://schemas.microsoft.com/office/powerpoint/2010/main" val="3246285975"/>
+        <p14:creationId xmlns:p14="http://schemas.microsoft.com/office/powerpoint/2010/main" val="1409531319"/>
       </p:ext>
     </p:extLst>
   </p:cSld>
@@ -8925,12 +9447,36 @@
             <p:ph type="title"/>
           </p:nvPr>
         </p:nvSpPr>
-        <p:spPr/>
+        <p:spPr>
+          <a:xfrm>
+            <a:off x="164592" y="-136843"/>
+            <a:ext cx="5867400" cy="1325563"/>
+          </a:xfrm>
+        </p:spPr>
         <p:txBody>
-          <a:bodyPr/>
+          <a:bodyPr>
+            <a:normAutofit/>
+          </a:bodyPr>
           <a:lstStyle/>
           <a:p>
-            <a:endParaRPr lang="ru-RU"/>
+            <a:pPr algn="ctr"/>
+            <a:r>
+              <a:rPr lang="ru-RU" sz="4800" b="1" dirty="0">
+                <a:solidFill>
+                  <a:schemeClr val="accent6">
+                    <a:lumMod val="50000"/>
+                  </a:schemeClr>
+                </a:solidFill>
+              </a:rPr>
+              <a:t>Взлом алгоритма MD5</a:t>
+            </a:r>
+            <a:endParaRPr lang="ru-RU" sz="6600" b="1" dirty="0">
+              <a:solidFill>
+                <a:schemeClr val="accent6">
+                  <a:lumMod val="50000"/>
+                </a:schemeClr>
+              </a:solidFill>
+            </a:endParaRPr>
           </a:p>
         </p:txBody>
       </p:sp>
@@ -8944,19 +9490,56 @@
             <p:ph idx="1"/>
           </p:nvPr>
         </p:nvSpPr>
-        <p:spPr/>
+        <p:spPr>
+          <a:xfrm>
+            <a:off x="164592" y="1938528"/>
+            <a:ext cx="11850624" cy="4590288"/>
+          </a:xfrm>
+        </p:spPr>
         <p:txBody>
-          <a:bodyPr/>
+          <a:bodyPr>
+            <a:normAutofit/>
+          </a:bodyPr>
           <a:lstStyle/>
           <a:p>
-            <a:endParaRPr lang="ru-RU"/>
+            <a:r>
+              <a:rPr lang="ru-RU" dirty="0"/>
+              <a:t>Большая работа была также проделана и для ускорения взлома </a:t>
+            </a:r>
+            <a:r>
+              <a:rPr lang="ru-RU" dirty="0" err="1"/>
+              <a:t>хешей</a:t>
+            </a:r>
+            <a:r>
+              <a:rPr lang="ru-RU" dirty="0"/>
+              <a:t>. В 2007 году Кевин Бриз представил программу, использующую </a:t>
+            </a:r>
+            <a:r>
+              <a:rPr lang="ru-RU" dirty="0" err="1"/>
+              <a:t>Sony</a:t>
+            </a:r>
+            <a:r>
+              <a:rPr lang="ru-RU" dirty="0"/>
+              <a:t> PlayStation3 для взлома MD5. Он сумел добиться очень неплохих результатов: 1,4 миллиарда MD5-хешей генерировались всего лишь за одну секунду! Уже через два года, в 2009-м, на </a:t>
+            </a:r>
+            <a:r>
+              <a:rPr lang="ru-RU" dirty="0" err="1"/>
+              <a:t>BlackHat</a:t>
+            </a:r>
+            <a:r>
+              <a:rPr lang="ru-RU" dirty="0"/>
+              <a:t> USA вышла статья об использовании GPU для поиска коллизий, что позволяло повысить его скорость в несколько раз, особенно если он выполнялся с помощью нескольких видеокарт одновременно.</a:t>
+            </a:r>
+          </a:p>
+          <a:p>
+            <a:endParaRPr lang="ru-RU" sz="3600" dirty="0"/>
           </a:p>
         </p:txBody>
       </p:sp>
     </p:spTree>
     <p:extLst>
       <p:ext uri="{BB962C8B-B14F-4D97-AF65-F5344CB8AC3E}">
-        <p14:creationId xmlns:p14="http://schemas.microsoft.com/office/powerpoint/2010/main" val="13088194"/>
+        <p14:creationId xmlns:p14="http://schemas.microsoft.com/office/powerpoint/2010/main" val="3525185934"/>
       </p:ext>
     </p:extLst>
   </p:cSld>
@@ -8993,12 +9576,36 @@
             <p:ph type="title"/>
           </p:nvPr>
         </p:nvSpPr>
-        <p:spPr/>
+        <p:spPr>
+          <a:xfrm>
+            <a:off x="3660648" y="174053"/>
+            <a:ext cx="4858512" cy="1325563"/>
+          </a:xfrm>
+        </p:spPr>
         <p:txBody>
-          <a:bodyPr/>
+          <a:bodyPr>
+            <a:normAutofit/>
+          </a:bodyPr>
           <a:lstStyle/>
           <a:p>
-            <a:endParaRPr lang="ru-RU"/>
+            <a:pPr algn="ctr"/>
+            <a:r>
+              <a:rPr lang="ru-RU" sz="6000" b="1" dirty="0" err="1">
+                <a:solidFill>
+                  <a:schemeClr val="accent6">
+                    <a:lumMod val="50000"/>
+                  </a:schemeClr>
+                </a:solidFill>
+              </a:rPr>
+              <a:t>Hashcat</a:t>
+            </a:r>
+            <a:endParaRPr lang="ru-RU" sz="6000" b="1" dirty="0">
+              <a:solidFill>
+                <a:schemeClr val="accent6">
+                  <a:lumMod val="50000"/>
+                </a:schemeClr>
+              </a:solidFill>
+            </a:endParaRPr>
           </a:p>
         </p:txBody>
       </p:sp>
@@ -9012,19 +9619,1118 @@
             <p:ph idx="1"/>
           </p:nvPr>
         </p:nvSpPr>
-        <p:spPr/>
+        <p:spPr>
+          <a:xfrm>
+            <a:off x="164592" y="1938528"/>
+            <a:ext cx="11850624" cy="4590288"/>
+          </a:xfrm>
+        </p:spPr>
         <p:txBody>
-          <a:bodyPr/>
+          <a:bodyPr>
+            <a:normAutofit/>
+          </a:bodyPr>
           <a:lstStyle/>
           <a:p>
-            <a:endParaRPr lang="ru-RU"/>
+            <a:r>
+              <a:rPr lang="ru-RU" dirty="0" err="1"/>
+              <a:t>Hashcat</a:t>
+            </a:r>
+            <a:r>
+              <a:rPr lang="ru-RU" dirty="0"/>
+              <a:t> —применение GPU для перебора паролей. Позволяет многократно увеличить скорость перебора паролей при использовании различных алгоритмов шифрования. В программе используется </a:t>
+            </a:r>
+            <a:r>
+              <a:rPr lang="ru-RU" dirty="0" err="1"/>
+              <a:t>распараллеленый</a:t>
+            </a:r>
+            <a:r>
+              <a:rPr lang="ru-RU" dirty="0"/>
+              <a:t> алгоритм перебора, базированный на технологии CUDA (</a:t>
+            </a:r>
+            <a:r>
+              <a:rPr lang="ru-RU" dirty="0" err="1"/>
+              <a:t>NVidia</a:t>
+            </a:r>
+            <a:r>
+              <a:rPr lang="ru-RU" dirty="0"/>
+              <a:t>) и </a:t>
+            </a:r>
+            <a:r>
+              <a:rPr lang="ru-RU" dirty="0" err="1"/>
+              <a:t>OpenCL</a:t>
+            </a:r>
+            <a:r>
+              <a:rPr lang="ru-RU" dirty="0"/>
+              <a:t> (AMD/ATI).</a:t>
+            </a:r>
+          </a:p>
+          <a:p>
+            <a:r>
+              <a:rPr lang="ru-RU" dirty="0" err="1"/>
+              <a:t>Hashcat</a:t>
+            </a:r>
+            <a:r>
+              <a:rPr lang="ru-RU" dirty="0"/>
+              <a:t> предлагает множество моделей атак для получения эффективного и комплексного покрытия пространства </a:t>
+            </a:r>
+            <a:r>
+              <a:rPr lang="ru-RU" dirty="0" err="1"/>
+              <a:t>хешей</a:t>
+            </a:r>
+            <a:r>
+              <a:rPr lang="ru-RU" dirty="0"/>
+              <a:t>. </a:t>
+            </a:r>
+          </a:p>
+          <a:p>
+            <a:r>
+              <a:rPr lang="ru-RU" dirty="0" err="1"/>
+              <a:t>Hashcat</a:t>
+            </a:r>
+            <a:r>
+              <a:rPr lang="ru-RU" dirty="0"/>
+              <a:t> имеет около 85 опций, 230 </a:t>
+            </a:r>
+            <a:r>
+              <a:rPr lang="ru-RU" dirty="0" err="1"/>
+              <a:t>хеш</a:t>
+            </a:r>
+            <a:r>
+              <a:rPr lang="ru-RU" dirty="0"/>
+              <a:t>-режимов. </a:t>
+            </a:r>
+            <a:endParaRPr lang="ru-RU" sz="3600" dirty="0"/>
           </a:p>
         </p:txBody>
       </p:sp>
     </p:spTree>
     <p:extLst>
       <p:ext uri="{BB962C8B-B14F-4D97-AF65-F5344CB8AC3E}">
-        <p14:creationId xmlns:p14="http://schemas.microsoft.com/office/powerpoint/2010/main" val="3185840031"/>
+        <p14:creationId xmlns:p14="http://schemas.microsoft.com/office/powerpoint/2010/main" val="3526278223"/>
+      </p:ext>
+    </p:extLst>
+  </p:cSld>
+  <p:clrMapOvr>
+    <a:masterClrMapping/>
+  </p:clrMapOvr>
+</p:sld>
+</file>
+
+<file path=ppt/slides/slide14.xml><?xml version="1.0" encoding="utf-8"?>
+<p:sld xmlns:a="http://schemas.openxmlformats.org/drawingml/2006/main" xmlns:r="http://schemas.openxmlformats.org/officeDocument/2006/relationships" xmlns:p="http://schemas.openxmlformats.org/presentationml/2006/main">
+  <p:cSld>
+    <p:spTree>
+      <p:nvGrpSpPr>
+        <p:cNvPr id="1" name=""/>
+        <p:cNvGrpSpPr/>
+        <p:nvPr/>
+      </p:nvGrpSpPr>
+      <p:grpSpPr>
+        <a:xfrm>
+          <a:off x="0" y="0"/>
+          <a:ext cx="0" cy="0"/>
+          <a:chOff x="0" y="0"/>
+          <a:chExt cx="0" cy="0"/>
+        </a:xfrm>
+      </p:grpSpPr>
+      <p:sp>
+        <p:nvSpPr>
+          <p:cNvPr id="2" name="Заголовок 1"/>
+          <p:cNvSpPr>
+            <a:spLocks noGrp="1"/>
+          </p:cNvSpPr>
+          <p:nvPr>
+            <p:ph type="title"/>
+          </p:nvPr>
+        </p:nvSpPr>
+        <p:spPr>
+          <a:xfrm>
+            <a:off x="0" y="1"/>
+            <a:ext cx="2157984" cy="969264"/>
+          </a:xfrm>
+        </p:spPr>
+        <p:txBody>
+          <a:bodyPr>
+            <a:normAutofit/>
+          </a:bodyPr>
+          <a:lstStyle/>
+          <a:p>
+            <a:pPr algn="ctr"/>
+            <a:r>
+              <a:rPr lang="ru-RU" sz="4800" b="1" dirty="0" err="1">
+                <a:solidFill>
+                  <a:schemeClr val="accent6">
+                    <a:lumMod val="50000"/>
+                  </a:schemeClr>
+                </a:solidFill>
+              </a:rPr>
+              <a:t>Hashcat</a:t>
+            </a:r>
+            <a:endParaRPr lang="ru-RU" sz="6600" b="1" dirty="0">
+              <a:solidFill>
+                <a:schemeClr val="accent6">
+                  <a:lumMod val="50000"/>
+                </a:schemeClr>
+              </a:solidFill>
+            </a:endParaRPr>
+          </a:p>
+        </p:txBody>
+      </p:sp>
+      <p:sp>
+        <p:nvSpPr>
+          <p:cNvPr id="3" name="Объект 2"/>
+          <p:cNvSpPr>
+            <a:spLocks noGrp="1"/>
+          </p:cNvSpPr>
+          <p:nvPr>
+            <p:ph idx="1"/>
+          </p:nvPr>
+        </p:nvSpPr>
+        <p:spPr>
+          <a:xfrm>
+            <a:off x="1078992" y="969265"/>
+            <a:ext cx="10277856" cy="5687568"/>
+          </a:xfrm>
+        </p:spPr>
+        <p:txBody>
+          <a:bodyPr>
+            <a:normAutofit/>
+          </a:bodyPr>
+          <a:lstStyle/>
+          <a:p>
+            <a:pPr marL="0" indent="0" algn="ctr">
+              <a:buNone/>
+            </a:pPr>
+            <a:r>
+              <a:rPr lang="ru-RU" sz="3500" b="1" dirty="0">
+                <a:solidFill>
+                  <a:schemeClr val="accent6">
+                    <a:lumMod val="50000"/>
+                  </a:schemeClr>
+                </a:solidFill>
+              </a:rPr>
+              <a:t>Есть следующие режимы:</a:t>
+            </a:r>
+          </a:p>
+          <a:p>
+            <a:pPr lvl="0"/>
+            <a:r>
+              <a:rPr lang="ru-RU" dirty="0"/>
+              <a:t>Атака </a:t>
+            </a:r>
+            <a:r>
+              <a:rPr lang="ru-RU" dirty="0" err="1"/>
+              <a:t>брут</a:t>
+            </a:r>
+            <a:r>
+              <a:rPr lang="ru-RU" dirty="0"/>
+              <a:t>-форсом (перебором)</a:t>
+            </a:r>
+          </a:p>
+          <a:p>
+            <a:pPr lvl="0"/>
+            <a:r>
+              <a:rPr lang="ru-RU" dirty="0"/>
+              <a:t>Комбинаторная атака</a:t>
+            </a:r>
+          </a:p>
+          <a:p>
+            <a:pPr lvl="0"/>
+            <a:r>
+              <a:rPr lang="ru-RU" dirty="0"/>
+              <a:t>Атака по словарю</a:t>
+            </a:r>
+          </a:p>
+          <a:p>
+            <a:pPr lvl="0"/>
+            <a:r>
+              <a:rPr lang="ru-RU" dirty="0"/>
+              <a:t>Атака по отпечаткам</a:t>
+            </a:r>
+          </a:p>
+          <a:p>
+            <a:pPr lvl="0"/>
+            <a:r>
+              <a:rPr lang="ru-RU" dirty="0"/>
+              <a:t>Гибридная атака</a:t>
+            </a:r>
+          </a:p>
+          <a:p>
+            <a:pPr lvl="0"/>
+            <a:r>
+              <a:rPr lang="ru-RU" dirty="0"/>
+              <a:t>Атака по маске</a:t>
+            </a:r>
+          </a:p>
+          <a:p>
+            <a:pPr lvl="0"/>
+            <a:r>
+              <a:rPr lang="ru-RU" dirty="0"/>
+              <a:t>Перестановочная атака</a:t>
+            </a:r>
+          </a:p>
+          <a:p>
+            <a:pPr lvl="0"/>
+            <a:r>
+              <a:rPr lang="ru-RU" dirty="0"/>
+              <a:t>Атака основанная на правиле</a:t>
+            </a:r>
+          </a:p>
+          <a:p>
+            <a:pPr lvl="0"/>
+            <a:r>
+              <a:rPr lang="ru-RU" dirty="0"/>
+              <a:t>Табличная атака</a:t>
+            </a:r>
+          </a:p>
+          <a:p>
+            <a:pPr lvl="0"/>
+            <a:r>
+              <a:rPr lang="ru-RU" dirty="0"/>
+              <a:t>Атака с переключением раскладки</a:t>
+            </a:r>
+          </a:p>
+          <a:p>
+            <a:endParaRPr lang="ru-RU" sz="3600" dirty="0"/>
+          </a:p>
+        </p:txBody>
+      </p:sp>
+    </p:spTree>
+    <p:extLst>
+      <p:ext uri="{BB962C8B-B14F-4D97-AF65-F5344CB8AC3E}">
+        <p14:creationId xmlns:p14="http://schemas.microsoft.com/office/powerpoint/2010/main" val="471692390"/>
+      </p:ext>
+    </p:extLst>
+  </p:cSld>
+  <p:clrMapOvr>
+    <a:masterClrMapping/>
+  </p:clrMapOvr>
+</p:sld>
+</file>
+
+<file path=ppt/slides/slide15.xml><?xml version="1.0" encoding="utf-8"?>
+<p:sld xmlns:a="http://schemas.openxmlformats.org/drawingml/2006/main" xmlns:r="http://schemas.openxmlformats.org/officeDocument/2006/relationships" xmlns:p="http://schemas.openxmlformats.org/presentationml/2006/main">
+  <p:cSld>
+    <p:spTree>
+      <p:nvGrpSpPr>
+        <p:cNvPr id="1" name=""/>
+        <p:cNvGrpSpPr/>
+        <p:nvPr/>
+      </p:nvGrpSpPr>
+      <p:grpSpPr>
+        <a:xfrm>
+          <a:off x="0" y="0"/>
+          <a:ext cx="0" cy="0"/>
+          <a:chOff x="0" y="0"/>
+          <a:chExt cx="0" cy="0"/>
+        </a:xfrm>
+      </p:grpSpPr>
+      <p:sp>
+        <p:nvSpPr>
+          <p:cNvPr id="2" name="Заголовок 1"/>
+          <p:cNvSpPr>
+            <a:spLocks noGrp="1"/>
+          </p:cNvSpPr>
+          <p:nvPr>
+            <p:ph type="title"/>
+          </p:nvPr>
+        </p:nvSpPr>
+        <p:spPr>
+          <a:xfrm>
+            <a:off x="2468880" y="0"/>
+            <a:ext cx="6379464" cy="914400"/>
+          </a:xfrm>
+        </p:spPr>
+        <p:txBody>
+          <a:bodyPr>
+            <a:normAutofit/>
+          </a:bodyPr>
+          <a:lstStyle/>
+          <a:p>
+            <a:pPr algn="ctr"/>
+            <a:r>
+              <a:rPr lang="ru-RU" b="1" dirty="0">
+                <a:solidFill>
+                  <a:schemeClr val="accent6">
+                    <a:lumMod val="50000"/>
+                  </a:schemeClr>
+                </a:solidFill>
+              </a:rPr>
+              <a:t>Особенности </a:t>
+            </a:r>
+            <a:r>
+              <a:rPr lang="ru-RU" b="1" dirty="0" err="1">
+                <a:solidFill>
+                  <a:schemeClr val="accent6">
+                    <a:lumMod val="50000"/>
+                  </a:schemeClr>
+                </a:solidFill>
+              </a:rPr>
+              <a:t>Hashcat</a:t>
+            </a:r>
+            <a:endParaRPr lang="ru-RU" sz="6600" b="1" dirty="0">
+              <a:solidFill>
+                <a:schemeClr val="accent6">
+                  <a:lumMod val="50000"/>
+                </a:schemeClr>
+              </a:solidFill>
+            </a:endParaRPr>
+          </a:p>
+        </p:txBody>
+      </p:sp>
+      <p:sp>
+        <p:nvSpPr>
+          <p:cNvPr id="3" name="Объект 2"/>
+          <p:cNvSpPr>
+            <a:spLocks noGrp="1"/>
+          </p:cNvSpPr>
+          <p:nvPr>
+            <p:ph idx="1"/>
+          </p:nvPr>
+        </p:nvSpPr>
+        <p:spPr>
+          <a:xfrm>
+            <a:off x="0" y="768096"/>
+            <a:ext cx="12192000" cy="6089904"/>
+          </a:xfrm>
+        </p:spPr>
+        <p:txBody>
+          <a:bodyPr>
+            <a:normAutofit fontScale="92500" lnSpcReduction="10000"/>
+          </a:bodyPr>
+          <a:lstStyle/>
+          <a:p>
+            <a:pPr lvl="0"/>
+            <a:r>
+              <a:rPr lang="ru-RU" dirty="0"/>
+              <a:t>Бесплатная</a:t>
+            </a:r>
+          </a:p>
+          <a:p>
+            <a:pPr lvl="0"/>
+            <a:r>
+              <a:rPr lang="ru-RU" dirty="0"/>
+              <a:t>Открытый исходный код (лицензия MIT)</a:t>
+            </a:r>
+          </a:p>
+          <a:p>
+            <a:pPr lvl="0"/>
+            <a:r>
+              <a:rPr lang="ru-RU" dirty="0"/>
+              <a:t>Мультиплатформенная (</a:t>
+            </a:r>
+            <a:r>
+              <a:rPr lang="ru-RU" dirty="0" err="1"/>
+              <a:t>Linux</a:t>
+            </a:r>
+            <a:r>
+              <a:rPr lang="ru-RU" dirty="0"/>
+              <a:t>, </a:t>
+            </a:r>
+            <a:r>
+              <a:rPr lang="ru-RU" dirty="0" err="1"/>
+              <a:t>Windows</a:t>
+            </a:r>
+            <a:r>
+              <a:rPr lang="ru-RU" dirty="0"/>
+              <a:t> и OSX)</a:t>
+            </a:r>
+          </a:p>
+          <a:p>
+            <a:pPr lvl="0"/>
+            <a:r>
+              <a:rPr lang="ru-RU" dirty="0"/>
+              <a:t>Мультиплатформенная (CPU, GPU, DSP, FPGA и т.д.)</a:t>
+            </a:r>
+          </a:p>
+          <a:p>
+            <a:pPr lvl="0"/>
+            <a:r>
+              <a:rPr lang="ru-RU" dirty="0"/>
+              <a:t>Одновременный взлом множества </a:t>
+            </a:r>
+            <a:r>
+              <a:rPr lang="ru-RU" dirty="0" err="1"/>
+              <a:t>хешей</a:t>
+            </a:r>
+            <a:endParaRPr lang="ru-RU" dirty="0"/>
+          </a:p>
+          <a:p>
+            <a:pPr lvl="0"/>
+            <a:r>
+              <a:rPr lang="ru-RU" dirty="0"/>
+              <a:t>Использует множество устройств на одной системе</a:t>
+            </a:r>
+          </a:p>
+          <a:p>
+            <a:pPr lvl="0"/>
+            <a:r>
+              <a:rPr lang="ru-RU" dirty="0"/>
+              <a:t>Использует устройства разных типов на одной системе</a:t>
+            </a:r>
+          </a:p>
+          <a:p>
+            <a:pPr lvl="0"/>
+            <a:r>
+              <a:rPr lang="ru-RU" dirty="0"/>
+              <a:t>Поддержка распределённых систем взлома (с помощью дополнительного сегмента)</a:t>
+            </a:r>
+          </a:p>
+          <a:p>
+            <a:pPr lvl="0"/>
+            <a:r>
+              <a:rPr lang="ru-RU" dirty="0"/>
+              <a:t>Поддержка сессий</a:t>
+            </a:r>
+          </a:p>
+          <a:p>
+            <a:pPr lvl="0"/>
+            <a:r>
+              <a:rPr lang="ru-RU" dirty="0"/>
+              <a:t>Поддержка восстановления</a:t>
+            </a:r>
+          </a:p>
+          <a:p>
+            <a:pPr lvl="0"/>
+            <a:r>
+              <a:rPr lang="ru-RU" dirty="0"/>
+              <a:t>Поддержка шестнадцатеричных солей и шестнадцатеричных наборов символов</a:t>
+            </a:r>
+          </a:p>
+          <a:p>
+            <a:pPr lvl="0"/>
+            <a:r>
+              <a:rPr lang="ru-RU" dirty="0"/>
+              <a:t>Поддержка автоматического порядка пространства ключей цепей Маркова</a:t>
+            </a:r>
+          </a:p>
+          <a:p>
+            <a:pPr lvl="0"/>
+            <a:r>
+              <a:rPr lang="ru-RU" dirty="0"/>
+              <a:t>И многое другое</a:t>
+            </a:r>
+          </a:p>
+          <a:p>
+            <a:endParaRPr lang="ru-RU" sz="3600" dirty="0"/>
+          </a:p>
+        </p:txBody>
+      </p:sp>
+    </p:spTree>
+    <p:extLst>
+      <p:ext uri="{BB962C8B-B14F-4D97-AF65-F5344CB8AC3E}">
+        <p14:creationId xmlns:p14="http://schemas.microsoft.com/office/powerpoint/2010/main" val="2823495478"/>
+      </p:ext>
+    </p:extLst>
+  </p:cSld>
+  <p:clrMapOvr>
+    <a:masterClrMapping/>
+  </p:clrMapOvr>
+</p:sld>
+</file>
+
+<file path=ppt/slides/slide16.xml><?xml version="1.0" encoding="utf-8"?>
+<p:sld xmlns:a="http://schemas.openxmlformats.org/drawingml/2006/main" xmlns:r="http://schemas.openxmlformats.org/officeDocument/2006/relationships" xmlns:p="http://schemas.openxmlformats.org/presentationml/2006/main">
+  <p:cSld>
+    <p:spTree>
+      <p:nvGrpSpPr>
+        <p:cNvPr id="1" name=""/>
+        <p:cNvGrpSpPr/>
+        <p:nvPr/>
+      </p:nvGrpSpPr>
+      <p:grpSpPr>
+        <a:xfrm>
+          <a:off x="0" y="0"/>
+          <a:ext cx="0" cy="0"/>
+          <a:chOff x="0" y="0"/>
+          <a:chExt cx="0" cy="0"/>
+        </a:xfrm>
+      </p:grpSpPr>
+      <p:sp>
+        <p:nvSpPr>
+          <p:cNvPr id="2" name="Заголовок 1"/>
+          <p:cNvSpPr>
+            <a:spLocks noGrp="1"/>
+          </p:cNvSpPr>
+          <p:nvPr>
+            <p:ph type="title"/>
+          </p:nvPr>
+        </p:nvSpPr>
+        <p:spPr>
+          <a:xfrm>
+            <a:off x="3366516" y="0"/>
+            <a:ext cx="5446776" cy="768096"/>
+          </a:xfrm>
+        </p:spPr>
+        <p:txBody>
+          <a:bodyPr>
+            <a:normAutofit/>
+          </a:bodyPr>
+          <a:lstStyle/>
+          <a:p>
+            <a:pPr algn="ctr"/>
+            <a:r>
+              <a:rPr lang="ru-RU" b="1" dirty="0">
+                <a:solidFill>
+                  <a:schemeClr val="accent6">
+                    <a:lumMod val="50000"/>
+                  </a:schemeClr>
+                </a:solidFill>
+              </a:rPr>
+              <a:t>Рассмотрим пример</a:t>
+            </a:r>
+            <a:endParaRPr lang="ru-RU" sz="6600" b="1" dirty="0">
+              <a:solidFill>
+                <a:schemeClr val="accent6">
+                  <a:lumMod val="50000"/>
+                </a:schemeClr>
+              </a:solidFill>
+            </a:endParaRPr>
+          </a:p>
+        </p:txBody>
+      </p:sp>
+      <p:sp>
+        <p:nvSpPr>
+          <p:cNvPr id="3" name="Объект 2"/>
+          <p:cNvSpPr>
+            <a:spLocks noGrp="1"/>
+          </p:cNvSpPr>
+          <p:nvPr>
+            <p:ph idx="1"/>
+          </p:nvPr>
+        </p:nvSpPr>
+        <p:spPr>
+          <a:xfrm>
+            <a:off x="164592" y="1188720"/>
+            <a:ext cx="11850624" cy="3108960"/>
+          </a:xfrm>
+        </p:spPr>
+        <p:txBody>
+          <a:bodyPr>
+            <a:normAutofit/>
+          </a:bodyPr>
+          <a:lstStyle/>
+          <a:p>
+            <a:r>
+              <a:rPr lang="ru-RU" dirty="0"/>
+              <a:t>Для примера пусть у нас будет </a:t>
+            </a:r>
+            <a:r>
+              <a:rPr lang="ru-RU" dirty="0" err="1"/>
+              <a:t>хеш</a:t>
+            </a:r>
+            <a:r>
+              <a:rPr lang="ru-RU" dirty="0"/>
+              <a:t> пароля, сохраненный в базе данных </a:t>
+            </a:r>
+            <a:r>
+              <a:rPr lang="ru-RU" dirty="0" err="1"/>
+              <a:t>WordPress</a:t>
+            </a:r>
+            <a:r>
+              <a:rPr lang="ru-RU" dirty="0"/>
+              <a:t>. Считаем, что нам известно, что админ использует цифровой пароль из 8-ми знаков.</a:t>
+            </a:r>
+          </a:p>
+          <a:p>
+            <a:endParaRPr lang="ru-RU" sz="3600" dirty="0"/>
+          </a:p>
+          <a:p>
+            <a:r>
+              <a:rPr lang="ru-RU" dirty="0"/>
+              <a:t>Используем </a:t>
+            </a:r>
+            <a:r>
+              <a:rPr lang="ru-RU" dirty="0" err="1"/>
+              <a:t>hashcat</a:t>
+            </a:r>
+            <a:r>
+              <a:rPr lang="ru-RU" dirty="0"/>
+              <a:t> </a:t>
+            </a:r>
+            <a:r>
+              <a:rPr lang="ru-RU" dirty="0" err="1"/>
+              <a:t>gui</a:t>
+            </a:r>
+            <a:endParaRPr lang="ru-RU" sz="3600" dirty="0"/>
+          </a:p>
+        </p:txBody>
+      </p:sp>
+      <p:pic>
+        <p:nvPicPr>
+          <p:cNvPr id="4" name="Рисунок 3"/>
+          <p:cNvPicPr/>
+          <p:nvPr/>
+        </p:nvPicPr>
+        <p:blipFill>
+          <a:blip r:embed="rId2"/>
+          <a:stretch>
+            <a:fillRect/>
+          </a:stretch>
+        </p:blipFill>
+        <p:spPr>
+          <a:xfrm>
+            <a:off x="0" y="3931920"/>
+            <a:ext cx="12192000" cy="1847088"/>
+          </a:xfrm>
+          <a:prstGeom prst="rect">
+            <a:avLst/>
+          </a:prstGeom>
+        </p:spPr>
+      </p:pic>
+    </p:spTree>
+    <p:extLst>
+      <p:ext uri="{BB962C8B-B14F-4D97-AF65-F5344CB8AC3E}">
+        <p14:creationId xmlns:p14="http://schemas.microsoft.com/office/powerpoint/2010/main" val="4065109270"/>
+      </p:ext>
+    </p:extLst>
+  </p:cSld>
+  <p:clrMapOvr>
+    <a:masterClrMapping/>
+  </p:clrMapOvr>
+</p:sld>
+</file>
+
+<file path=ppt/slides/slide17.xml><?xml version="1.0" encoding="utf-8"?>
+<p:sld xmlns:a="http://schemas.openxmlformats.org/drawingml/2006/main" xmlns:r="http://schemas.openxmlformats.org/officeDocument/2006/relationships" xmlns:p="http://schemas.openxmlformats.org/presentationml/2006/main">
+  <p:cSld>
+    <p:spTree>
+      <p:nvGrpSpPr>
+        <p:cNvPr id="1" name=""/>
+        <p:cNvGrpSpPr/>
+        <p:nvPr/>
+      </p:nvGrpSpPr>
+      <p:grpSpPr>
+        <a:xfrm>
+          <a:off x="0" y="0"/>
+          <a:ext cx="0" cy="0"/>
+          <a:chOff x="0" y="0"/>
+          <a:chExt cx="0" cy="0"/>
+        </a:xfrm>
+      </p:grpSpPr>
+      <p:sp>
+        <p:nvSpPr>
+          <p:cNvPr id="3" name="Объект 2"/>
+          <p:cNvSpPr>
+            <a:spLocks noGrp="1"/>
+          </p:cNvSpPr>
+          <p:nvPr>
+            <p:ph idx="1"/>
+          </p:nvPr>
+        </p:nvSpPr>
+        <p:spPr>
+          <a:xfrm>
+            <a:off x="164592" y="0"/>
+            <a:ext cx="11850624" cy="6528816"/>
+          </a:xfrm>
+        </p:spPr>
+        <p:txBody>
+          <a:bodyPr>
+            <a:normAutofit/>
+          </a:bodyPr>
+          <a:lstStyle/>
+          <a:p>
+            <a:pPr lvl="0"/>
+            <a:r>
+              <a:rPr lang="ru-RU" b="1" dirty="0"/>
+              <a:t>-a 3</a:t>
+            </a:r>
+            <a:r>
+              <a:rPr lang="ru-RU" dirty="0"/>
+              <a:t> 			– режим атаки </a:t>
+            </a:r>
+            <a:r>
+              <a:rPr lang="ru-RU" dirty="0" err="1"/>
+              <a:t>брут</a:t>
+            </a:r>
+            <a:r>
+              <a:rPr lang="ru-RU" dirty="0"/>
+              <a:t>-форс (перебор);</a:t>
+            </a:r>
+          </a:p>
+          <a:p>
+            <a:pPr lvl="0"/>
+            <a:r>
+              <a:rPr lang="en-US" b="1" dirty="0"/>
+              <a:t>-m 400</a:t>
+            </a:r>
+            <a:r>
+              <a:rPr lang="en-US" dirty="0"/>
+              <a:t> 		– </a:t>
+            </a:r>
+            <a:r>
+              <a:rPr lang="ru-RU" dirty="0"/>
+              <a:t>тип </a:t>
+            </a:r>
+            <a:r>
+              <a:rPr lang="ru-RU" dirty="0" err="1"/>
+              <a:t>хеша</a:t>
+            </a:r>
+            <a:r>
+              <a:rPr lang="en-US" dirty="0"/>
+              <a:t> – md5 </a:t>
+            </a:r>
+            <a:r>
+              <a:rPr lang="en-US" dirty="0" err="1"/>
+              <a:t>wordpress</a:t>
+            </a:r>
+            <a:r>
+              <a:rPr lang="en-US" dirty="0"/>
+              <a:t>;</a:t>
+            </a:r>
+            <a:endParaRPr lang="ru-RU" dirty="0"/>
+          </a:p>
+          <a:p>
+            <a:pPr lvl="0"/>
+            <a:r>
+              <a:rPr lang="en-US" b="1" dirty="0"/>
+              <a:t>-</a:t>
+            </a:r>
+            <a:r>
+              <a:rPr lang="en-US" b="1" dirty="0" err="1"/>
+              <a:t>i</a:t>
+            </a:r>
+            <a:r>
+              <a:rPr lang="en-US" b="1" dirty="0"/>
+              <a:t> --increment-min=8 –increment-max=8</a:t>
+            </a:r>
+            <a:r>
+              <a:rPr lang="en-US" dirty="0"/>
+              <a:t> – </a:t>
+            </a:r>
+            <a:r>
+              <a:rPr lang="ru-RU" dirty="0"/>
+              <a:t>длина пароля</a:t>
+            </a:r>
+            <a:r>
+              <a:rPr lang="en-US" dirty="0"/>
+              <a:t>;</a:t>
+            </a:r>
+            <a:endParaRPr lang="ru-RU" dirty="0"/>
+          </a:p>
+          <a:p>
+            <a:pPr lvl="0"/>
+            <a:r>
+              <a:rPr lang="ru-RU" b="1" dirty="0"/>
+              <a:t>-1 01234567890</a:t>
+            </a:r>
+            <a:r>
+              <a:rPr lang="ru-RU" dirty="0"/>
+              <a:t> 	– используемые в пароле символы (-1 – первый набор);</a:t>
+            </a:r>
+          </a:p>
+          <a:p>
+            <a:pPr lvl="0"/>
+            <a:r>
+              <a:rPr lang="ru-RU" b="1" dirty="0"/>
+              <a:t>tmp8355.tmp</a:t>
+            </a:r>
+            <a:r>
+              <a:rPr lang="ru-RU" dirty="0"/>
+              <a:t> 	– временный файл, содержащий наш </a:t>
+            </a:r>
+            <a:r>
+              <a:rPr lang="ru-RU" dirty="0" err="1"/>
+              <a:t>хеш</a:t>
+            </a:r>
+            <a:r>
+              <a:rPr lang="ru-RU" dirty="0"/>
+              <a:t>;</a:t>
+            </a:r>
+          </a:p>
+          <a:p>
+            <a:pPr lvl="0"/>
+            <a:r>
+              <a:rPr lang="ru-RU" b="1" dirty="0"/>
+              <a:t>-1 ?d ?1?1?1?1?1?1?1?1</a:t>
+            </a:r>
+            <a:r>
+              <a:rPr lang="ru-RU" dirty="0"/>
+              <a:t> – маска пароля. Десятичные цифры из первого набора, 8 штук;</a:t>
+            </a:r>
+          </a:p>
+          <a:p>
+            <a:pPr lvl="0"/>
+            <a:r>
+              <a:rPr lang="ru-RU" b="1" dirty="0"/>
+              <a:t>-w 3 	--</a:t>
+            </a:r>
+            <a:r>
+              <a:rPr lang="ru-RU" b="1" dirty="0" err="1"/>
+              <a:t>gpu-temp-abort</a:t>
+            </a:r>
+            <a:r>
+              <a:rPr lang="ru-RU" b="1" dirty="0"/>
+              <a:t>=80 --</a:t>
+            </a:r>
+            <a:r>
+              <a:rPr lang="ru-RU" b="1" dirty="0" err="1"/>
+              <a:t>gpu-temp-retain</a:t>
+            </a:r>
+            <a:r>
+              <a:rPr lang="ru-RU" b="1" dirty="0"/>
+              <a:t>=70</a:t>
+            </a:r>
+            <a:r>
+              <a:rPr lang="ru-RU" dirty="0"/>
+              <a:t> – режим работы с высокой доступностью пользовательского окружения , температура остановки перебора и температура </a:t>
+            </a:r>
+            <a:r>
+              <a:rPr lang="ru-RU" dirty="0" err="1"/>
+              <a:t>догона</a:t>
+            </a:r>
+            <a:r>
+              <a:rPr lang="ru-RU" dirty="0"/>
+              <a:t>.</a:t>
+            </a:r>
+          </a:p>
+          <a:p>
+            <a:pPr lvl="0"/>
+            <a:r>
+              <a:rPr lang="ru-RU" b="1" dirty="0"/>
+              <a:t>--</a:t>
+            </a:r>
+            <a:r>
+              <a:rPr lang="ru-RU" b="1" dirty="0" err="1"/>
+              <a:t>session</a:t>
+            </a:r>
+            <a:r>
+              <a:rPr lang="ru-RU" b="1" dirty="0"/>
+              <a:t>=</a:t>
+            </a:r>
+            <a:r>
+              <a:rPr lang="ru-RU" b="1" dirty="0" err="1"/>
+              <a:t>all</a:t>
+            </a:r>
+            <a:r>
+              <a:rPr lang="ru-RU" dirty="0"/>
+              <a:t> 	– определяет имя сессии (для возможного продолжения перебора);</a:t>
+            </a:r>
+          </a:p>
+          <a:p>
+            <a:pPr lvl="0"/>
+            <a:r>
+              <a:rPr lang="en-US" b="1" dirty="0"/>
+              <a:t>--</a:t>
+            </a:r>
+            <a:r>
+              <a:rPr lang="ru-RU" b="1" dirty="0" err="1"/>
+              <a:t>force</a:t>
+            </a:r>
+            <a:r>
+              <a:rPr lang="ru-RU" dirty="0"/>
+              <a:t> 		– игнорируем предупреждения;</a:t>
+            </a:r>
+          </a:p>
+          <a:p>
+            <a:endParaRPr lang="ru-RU" sz="3600" dirty="0"/>
+          </a:p>
+        </p:txBody>
+      </p:sp>
+    </p:spTree>
+    <p:extLst>
+      <p:ext uri="{BB962C8B-B14F-4D97-AF65-F5344CB8AC3E}">
+        <p14:creationId xmlns:p14="http://schemas.microsoft.com/office/powerpoint/2010/main" val="598472405"/>
+      </p:ext>
+    </p:extLst>
+  </p:cSld>
+  <p:clrMapOvr>
+    <a:masterClrMapping/>
+  </p:clrMapOvr>
+</p:sld>
+</file>
+
+<file path=ppt/slides/slide18.xml><?xml version="1.0" encoding="utf-8"?>
+<p:sld xmlns:a="http://schemas.openxmlformats.org/drawingml/2006/main" xmlns:r="http://schemas.openxmlformats.org/officeDocument/2006/relationships" xmlns:p="http://schemas.openxmlformats.org/presentationml/2006/main">
+  <p:cSld>
+    <p:spTree>
+      <p:nvGrpSpPr>
+        <p:cNvPr id="1" name=""/>
+        <p:cNvGrpSpPr/>
+        <p:nvPr/>
+      </p:nvGrpSpPr>
+      <p:grpSpPr>
+        <a:xfrm>
+          <a:off x="0" y="0"/>
+          <a:ext cx="0" cy="0"/>
+          <a:chOff x="0" y="0"/>
+          <a:chExt cx="0" cy="0"/>
+        </a:xfrm>
+      </p:grpSpPr>
+      <p:sp>
+        <p:nvSpPr>
+          <p:cNvPr id="6" name="Заголовок 5"/>
+          <p:cNvSpPr>
+            <a:spLocks noGrp="1"/>
+          </p:cNvSpPr>
+          <p:nvPr>
+            <p:ph type="title"/>
+          </p:nvPr>
+        </p:nvSpPr>
+        <p:spPr>
+          <a:xfrm>
+            <a:off x="838200" y="365125"/>
+            <a:ext cx="10515600" cy="1325563"/>
+          </a:xfrm>
+        </p:spPr>
+        <p:txBody>
+          <a:bodyPr/>
+          <a:lstStyle/>
+          <a:p>
+            <a:endParaRPr lang="ru-RU"/>
+          </a:p>
+        </p:txBody>
+      </p:sp>
+      <p:sp>
+        <p:nvSpPr>
+          <p:cNvPr id="8" name="Объект 7"/>
+          <p:cNvSpPr>
+            <a:spLocks noGrp="1"/>
+          </p:cNvSpPr>
+          <p:nvPr>
+            <p:ph idx="1"/>
+          </p:nvPr>
+        </p:nvSpPr>
+        <p:spPr>
+          <a:xfrm>
+            <a:off x="838200" y="1862201"/>
+            <a:ext cx="10515600" cy="4351338"/>
+          </a:xfrm>
+        </p:spPr>
+        <p:txBody>
+          <a:bodyPr/>
+          <a:lstStyle/>
+          <a:p>
+            <a:endParaRPr lang="ru-RU"/>
+          </a:p>
+        </p:txBody>
+      </p:sp>
+      <p:pic>
+        <p:nvPicPr>
+          <p:cNvPr id="9" name="Рисунок 8"/>
+          <p:cNvPicPr/>
+          <p:nvPr/>
+        </p:nvPicPr>
+        <p:blipFill>
+          <a:blip r:embed="rId2"/>
+          <a:stretch>
+            <a:fillRect/>
+          </a:stretch>
+        </p:blipFill>
+        <p:spPr>
+          <a:xfrm>
+            <a:off x="0" y="0"/>
+            <a:ext cx="12192000" cy="6858000"/>
+          </a:xfrm>
+          <a:prstGeom prst="rect">
+            <a:avLst/>
+          </a:prstGeom>
+        </p:spPr>
+      </p:pic>
+    </p:spTree>
+    <p:extLst>
+      <p:ext uri="{BB962C8B-B14F-4D97-AF65-F5344CB8AC3E}">
+        <p14:creationId xmlns:p14="http://schemas.microsoft.com/office/powerpoint/2010/main" val="2036323902"/>
+      </p:ext>
+    </p:extLst>
+  </p:cSld>
+  <p:clrMapOvr>
+    <a:masterClrMapping/>
+  </p:clrMapOvr>
+</p:sld>
+</file>
+
+<file path=ppt/slides/slide19.xml><?xml version="1.0" encoding="utf-8"?>
+<p:sld xmlns:a="http://schemas.openxmlformats.org/drawingml/2006/main" xmlns:r="http://schemas.openxmlformats.org/officeDocument/2006/relationships" xmlns:p="http://schemas.openxmlformats.org/presentationml/2006/main">
+  <p:cSld>
+    <p:spTree>
+      <p:nvGrpSpPr>
+        <p:cNvPr id="1" name=""/>
+        <p:cNvGrpSpPr/>
+        <p:nvPr/>
+      </p:nvGrpSpPr>
+      <p:grpSpPr>
+        <a:xfrm>
+          <a:off x="0" y="0"/>
+          <a:ext cx="0" cy="0"/>
+          <a:chOff x="0" y="0"/>
+          <a:chExt cx="0" cy="0"/>
+        </a:xfrm>
+      </p:grpSpPr>
+      <p:sp>
+        <p:nvSpPr>
+          <p:cNvPr id="6" name="Заголовок 5"/>
+          <p:cNvSpPr>
+            <a:spLocks noGrp="1"/>
+          </p:cNvSpPr>
+          <p:nvPr>
+            <p:ph type="title"/>
+          </p:nvPr>
+        </p:nvSpPr>
+        <p:spPr>
+          <a:xfrm>
+            <a:off x="838200" y="365125"/>
+            <a:ext cx="10515600" cy="1325563"/>
+          </a:xfrm>
+        </p:spPr>
+        <p:txBody>
+          <a:bodyPr/>
+          <a:lstStyle/>
+          <a:p>
+            <a:endParaRPr lang="ru-RU"/>
+          </a:p>
+        </p:txBody>
+      </p:sp>
+      <p:sp>
+        <p:nvSpPr>
+          <p:cNvPr id="8" name="Объект 7"/>
+          <p:cNvSpPr>
+            <a:spLocks noGrp="1"/>
+          </p:cNvSpPr>
+          <p:nvPr>
+            <p:ph idx="1"/>
+          </p:nvPr>
+        </p:nvSpPr>
+        <p:spPr>
+          <a:xfrm>
+            <a:off x="838200" y="1862201"/>
+            <a:ext cx="10515600" cy="4351338"/>
+          </a:xfrm>
+        </p:spPr>
+        <p:txBody>
+          <a:bodyPr/>
+          <a:lstStyle/>
+          <a:p>
+            <a:endParaRPr lang="ru-RU"/>
+          </a:p>
+        </p:txBody>
+      </p:sp>
+      <p:pic>
+        <p:nvPicPr>
+          <p:cNvPr id="5" name="Рисунок 4"/>
+          <p:cNvPicPr/>
+          <p:nvPr/>
+        </p:nvPicPr>
+        <p:blipFill>
+          <a:blip r:embed="rId2"/>
+          <a:stretch>
+            <a:fillRect/>
+          </a:stretch>
+        </p:blipFill>
+        <p:spPr>
+          <a:xfrm>
+            <a:off x="-139637" y="0"/>
+            <a:ext cx="12465749" cy="6858000"/>
+          </a:xfrm>
+          <a:prstGeom prst="rect">
+            <a:avLst/>
+          </a:prstGeom>
+        </p:spPr>
+      </p:pic>
+    </p:spTree>
+    <p:extLst>
+      <p:ext uri="{BB962C8B-B14F-4D97-AF65-F5344CB8AC3E}">
+        <p14:creationId xmlns:p14="http://schemas.microsoft.com/office/powerpoint/2010/main" val="2918477449"/>
       </p:ext>
     </p:extLst>
   </p:cSld>
@@ -9089,6 +10795,355 @@
 </p:sld>
 </file>
 
+<file path=ppt/slides/slide20.xml><?xml version="1.0" encoding="utf-8"?>
+<p:sld xmlns:a="http://schemas.openxmlformats.org/drawingml/2006/main" xmlns:r="http://schemas.openxmlformats.org/officeDocument/2006/relationships" xmlns:p="http://schemas.openxmlformats.org/presentationml/2006/main">
+  <p:cSld>
+    <p:spTree>
+      <p:nvGrpSpPr>
+        <p:cNvPr id="1" name=""/>
+        <p:cNvGrpSpPr/>
+        <p:nvPr/>
+      </p:nvGrpSpPr>
+      <p:grpSpPr>
+        <a:xfrm>
+          <a:off x="0" y="0"/>
+          <a:ext cx="0" cy="0"/>
+          <a:chOff x="0" y="0"/>
+          <a:chExt cx="0" cy="0"/>
+        </a:xfrm>
+      </p:grpSpPr>
+      <p:sp>
+        <p:nvSpPr>
+          <p:cNvPr id="2" name="Заголовок 1"/>
+          <p:cNvSpPr>
+            <a:spLocks noGrp="1"/>
+          </p:cNvSpPr>
+          <p:nvPr>
+            <p:ph type="title"/>
+          </p:nvPr>
+        </p:nvSpPr>
+        <p:spPr>
+          <a:xfrm>
+            <a:off x="1682496" y="347472"/>
+            <a:ext cx="9436608" cy="1014667"/>
+          </a:xfrm>
+        </p:spPr>
+        <p:txBody>
+          <a:bodyPr>
+            <a:normAutofit/>
+          </a:bodyPr>
+          <a:lstStyle/>
+          <a:p>
+            <a:r>
+              <a:rPr lang="ru-RU" b="1" dirty="0">
+                <a:solidFill>
+                  <a:schemeClr val="accent6">
+                    <a:lumMod val="50000"/>
+                  </a:schemeClr>
+                </a:solidFill>
+              </a:rPr>
+              <a:t>Проблемы развития GPU-вычислений</a:t>
+            </a:r>
+          </a:p>
+        </p:txBody>
+      </p:sp>
+      <p:sp>
+        <p:nvSpPr>
+          <p:cNvPr id="3" name="Объект 2"/>
+          <p:cNvSpPr>
+            <a:spLocks noGrp="1"/>
+          </p:cNvSpPr>
+          <p:nvPr>
+            <p:ph idx="1"/>
+          </p:nvPr>
+        </p:nvSpPr>
+        <p:spPr>
+          <a:xfrm>
+            <a:off x="658368" y="1700784"/>
+            <a:ext cx="10808208" cy="4407408"/>
+          </a:xfrm>
+        </p:spPr>
+        <p:txBody>
+          <a:bodyPr>
+            <a:normAutofit/>
+          </a:bodyPr>
+          <a:lstStyle/>
+          <a:p>
+            <a:r>
+              <a:rPr lang="ru-RU" sz="3600" dirty="0" err="1"/>
+              <a:t>сериализация</a:t>
+            </a:r>
+            <a:endParaRPr lang="ru-RU" sz="3600" dirty="0"/>
+          </a:p>
+          <a:p>
+            <a:r>
+              <a:rPr lang="ru-RU" sz="3600" dirty="0"/>
+              <a:t>ограниченный объем видеопамяти</a:t>
+            </a:r>
+          </a:p>
+          <a:p>
+            <a:r>
+              <a:rPr lang="ru-RU" sz="3600" dirty="0"/>
+              <a:t>необходимость обмена данными между CPU и GPU по медленной шине</a:t>
+            </a:r>
+          </a:p>
+          <a:p>
+            <a:r>
+              <a:rPr lang="ru-RU" sz="3600" dirty="0"/>
+              <a:t>нет стека</a:t>
+            </a:r>
+          </a:p>
+          <a:p>
+            <a:r>
+              <a:rPr lang="ru-RU" sz="3600" dirty="0"/>
+              <a:t>нет рекурсии</a:t>
+            </a:r>
+            <a:endParaRPr lang="ru-RU" sz="4400" dirty="0"/>
+          </a:p>
+        </p:txBody>
+      </p:sp>
+    </p:spTree>
+    <p:extLst>
+      <p:ext uri="{BB962C8B-B14F-4D97-AF65-F5344CB8AC3E}">
+        <p14:creationId xmlns:p14="http://schemas.microsoft.com/office/powerpoint/2010/main" val="1155777124"/>
+      </p:ext>
+    </p:extLst>
+  </p:cSld>
+  <p:clrMapOvr>
+    <a:masterClrMapping/>
+  </p:clrMapOvr>
+</p:sld>
+</file>
+
+<file path=ppt/slides/slide21.xml><?xml version="1.0" encoding="utf-8"?>
+<p:sld xmlns:a="http://schemas.openxmlformats.org/drawingml/2006/main" xmlns:r="http://schemas.openxmlformats.org/officeDocument/2006/relationships" xmlns:p="http://schemas.openxmlformats.org/presentationml/2006/main">
+  <p:cSld>
+    <p:spTree>
+      <p:nvGrpSpPr>
+        <p:cNvPr id="1" name=""/>
+        <p:cNvGrpSpPr/>
+        <p:nvPr/>
+      </p:nvGrpSpPr>
+      <p:grpSpPr>
+        <a:xfrm>
+          <a:off x="0" y="0"/>
+          <a:ext cx="0" cy="0"/>
+          <a:chOff x="0" y="0"/>
+          <a:chExt cx="0" cy="0"/>
+        </a:xfrm>
+      </p:grpSpPr>
+      <p:sp>
+        <p:nvSpPr>
+          <p:cNvPr id="2" name="Заголовок 1"/>
+          <p:cNvSpPr>
+            <a:spLocks noGrp="1"/>
+          </p:cNvSpPr>
+          <p:nvPr>
+            <p:ph type="title"/>
+          </p:nvPr>
+        </p:nvSpPr>
+        <p:spPr>
+          <a:xfrm>
+            <a:off x="3660648" y="174053"/>
+            <a:ext cx="4858512" cy="1325563"/>
+          </a:xfrm>
+        </p:spPr>
+        <p:txBody>
+          <a:bodyPr>
+            <a:normAutofit/>
+          </a:bodyPr>
+          <a:lstStyle/>
+          <a:p>
+            <a:pPr algn="ctr"/>
+            <a:r>
+              <a:rPr lang="ru-RU" sz="6000" b="1" dirty="0">
+                <a:solidFill>
+                  <a:schemeClr val="accent6">
+                    <a:lumMod val="50000"/>
+                  </a:schemeClr>
+                </a:solidFill>
+              </a:rPr>
+              <a:t>Итог</a:t>
+            </a:r>
+            <a:endParaRPr lang="ru-RU" sz="8000" b="1" dirty="0">
+              <a:solidFill>
+                <a:schemeClr val="accent6">
+                  <a:lumMod val="50000"/>
+                </a:schemeClr>
+              </a:solidFill>
+            </a:endParaRPr>
+          </a:p>
+        </p:txBody>
+      </p:sp>
+      <p:sp>
+        <p:nvSpPr>
+          <p:cNvPr id="3" name="Объект 2"/>
+          <p:cNvSpPr>
+            <a:spLocks noGrp="1"/>
+          </p:cNvSpPr>
+          <p:nvPr>
+            <p:ph idx="1"/>
+          </p:nvPr>
+        </p:nvSpPr>
+        <p:spPr>
+          <a:xfrm>
+            <a:off x="164592" y="1700784"/>
+            <a:ext cx="11850624" cy="5157216"/>
+          </a:xfrm>
+        </p:spPr>
+        <p:txBody>
+          <a:bodyPr>
+            <a:normAutofit/>
+          </a:bodyPr>
+          <a:lstStyle/>
+          <a:p>
+            <a:r>
+              <a:rPr lang="ru-RU" dirty="0"/>
+              <a:t>Вывод из всего вышесказанного можно сделать следующий: использование графических процессоров может приводить к существенному повышению производительности различных вычислений. При этом выигрыш в скорости по сравнению с использованием архитектуры с CPU может достигать нескольких десятков раз. А добиться еще большего повышения производительности можно с помощью создания кластеров GPU — в таком случае она растет практически линейно. </a:t>
+            </a:r>
+          </a:p>
+          <a:p>
+            <a:r>
+              <a:rPr lang="ru-RU" dirty="0"/>
+              <a:t>Однако и у </a:t>
+            </a:r>
+            <a:r>
+              <a:rPr lang="en-US" dirty="0"/>
+              <a:t>GPU</a:t>
+            </a:r>
+            <a:r>
+              <a:rPr lang="ru-RU" dirty="0"/>
+              <a:t> пока есть свои недостатки, что создает некоторые ограничения на их применение.</a:t>
+            </a:r>
+          </a:p>
+          <a:p>
+            <a:endParaRPr lang="ru-RU" sz="3600" dirty="0"/>
+          </a:p>
+        </p:txBody>
+      </p:sp>
+    </p:spTree>
+    <p:extLst>
+      <p:ext uri="{BB962C8B-B14F-4D97-AF65-F5344CB8AC3E}">
+        <p14:creationId xmlns:p14="http://schemas.microsoft.com/office/powerpoint/2010/main" val="2533390577"/>
+      </p:ext>
+    </p:extLst>
+  </p:cSld>
+  <p:clrMapOvr>
+    <a:masterClrMapping/>
+  </p:clrMapOvr>
+</p:sld>
+</file>
+
+<file path=ppt/slides/slide22.xml><?xml version="1.0" encoding="utf-8"?>
+<p:sld xmlns:a="http://schemas.openxmlformats.org/drawingml/2006/main" xmlns:r="http://schemas.openxmlformats.org/officeDocument/2006/relationships" xmlns:p="http://schemas.openxmlformats.org/presentationml/2006/main">
+  <p:cSld>
+    <p:spTree>
+      <p:nvGrpSpPr>
+        <p:cNvPr id="1" name=""/>
+        <p:cNvGrpSpPr/>
+        <p:nvPr/>
+      </p:nvGrpSpPr>
+      <p:grpSpPr>
+        <a:xfrm>
+          <a:off x="0" y="0"/>
+          <a:ext cx="0" cy="0"/>
+          <a:chOff x="0" y="0"/>
+          <a:chExt cx="0" cy="0"/>
+        </a:xfrm>
+      </p:grpSpPr>
+      <p:sp>
+        <p:nvSpPr>
+          <p:cNvPr id="2" name="Заголовок 1"/>
+          <p:cNvSpPr>
+            <a:spLocks noGrp="1"/>
+          </p:cNvSpPr>
+          <p:nvPr>
+            <p:ph type="title"/>
+          </p:nvPr>
+        </p:nvSpPr>
+        <p:spPr>
+          <a:xfrm>
+            <a:off x="1267407" y="2455182"/>
+            <a:ext cx="10515600" cy="1325563"/>
+          </a:xfrm>
+        </p:spPr>
+        <p:txBody>
+          <a:bodyPr>
+            <a:normAutofit fontScale="90000"/>
+          </a:bodyPr>
+          <a:lstStyle/>
+          <a:p>
+            <a:r>
+              <a:rPr lang="ru-RU" sz="9600" b="1" dirty="0">
+                <a:solidFill>
+                  <a:schemeClr val="accent6">
+                    <a:lumMod val="50000"/>
+                  </a:schemeClr>
+                </a:solidFill>
+              </a:rPr>
+              <a:t>Спасибо за внимание</a:t>
+            </a:r>
+          </a:p>
+        </p:txBody>
+      </p:sp>
+      <p:sp>
+        <p:nvSpPr>
+          <p:cNvPr id="3" name="Объект 2"/>
+          <p:cNvSpPr>
+            <a:spLocks noGrp="1"/>
+          </p:cNvSpPr>
+          <p:nvPr>
+            <p:ph idx="1"/>
+          </p:nvPr>
+        </p:nvSpPr>
+        <p:spPr>
+          <a:xfrm>
+            <a:off x="7912358" y="5169158"/>
+            <a:ext cx="3870649" cy="1362367"/>
+          </a:xfrm>
+        </p:spPr>
+        <p:txBody>
+          <a:bodyPr/>
+          <a:lstStyle/>
+          <a:p>
+            <a:r>
+              <a:rPr lang="ru-RU" dirty="0"/>
+              <a:t>Работу выполнили</a:t>
+            </a:r>
+          </a:p>
+          <a:p>
+            <a:pPr lvl="1"/>
+            <a:r>
+              <a:rPr lang="ru-RU" dirty="0"/>
+              <a:t>Мамонова Мария</a:t>
+            </a:r>
+          </a:p>
+          <a:p>
+            <a:pPr lvl="1"/>
+            <a:r>
+              <a:rPr lang="ru-RU" dirty="0" err="1"/>
+              <a:t>Коханчик</a:t>
+            </a:r>
+            <a:r>
+              <a:rPr lang="ru-RU" dirty="0"/>
+              <a:t> Антон</a:t>
+            </a:r>
+          </a:p>
+        </p:txBody>
+      </p:sp>
+    </p:spTree>
+    <p:extLst>
+      <p:ext uri="{BB962C8B-B14F-4D97-AF65-F5344CB8AC3E}">
+        <p14:creationId xmlns:p14="http://schemas.microsoft.com/office/powerpoint/2010/main" val="493525569"/>
+      </p:ext>
+    </p:extLst>
+  </p:cSld>
+  <p:clrMapOvr>
+    <a:masterClrMapping/>
+  </p:clrMapOvr>
+</p:sld>
+</file>
+
 <file path=ppt/slides/slide3.xml><?xml version="1.0" encoding="utf-8"?>
 <p:sld xmlns:a="http://schemas.openxmlformats.org/drawingml/2006/main" xmlns:r="http://schemas.openxmlformats.org/officeDocument/2006/relationships" xmlns:p="http://schemas.openxmlformats.org/presentationml/2006/main">
   <p:cSld>
@@ -9116,12 +11171,36 @@
             <p:ph type="title"/>
           </p:nvPr>
         </p:nvSpPr>
-        <p:spPr/>
+        <p:spPr>
+          <a:xfrm>
+            <a:off x="3660648" y="174053"/>
+            <a:ext cx="4858512" cy="1325563"/>
+          </a:xfrm>
+        </p:spPr>
         <p:txBody>
-          <a:bodyPr/>
+          <a:bodyPr>
+            <a:normAutofit/>
+          </a:bodyPr>
           <a:lstStyle/>
           <a:p>
-            <a:endParaRPr lang="ru-RU"/>
+            <a:pPr algn="ctr"/>
+            <a:r>
+              <a:rPr lang="ru-RU" sz="6000" b="1" dirty="0" err="1">
+                <a:solidFill>
+                  <a:schemeClr val="accent6">
+                    <a:lumMod val="50000"/>
+                  </a:schemeClr>
+                </a:solidFill>
+              </a:rPr>
+              <a:t>Хэширование</a:t>
+            </a:r>
+            <a:endParaRPr lang="ru-RU" sz="6000" b="1" dirty="0">
+              <a:solidFill>
+                <a:schemeClr val="accent6">
+                  <a:lumMod val="50000"/>
+                </a:schemeClr>
+              </a:solidFill>
+            </a:endParaRPr>
           </a:p>
         </p:txBody>
       </p:sp>
@@ -9135,12 +11214,33 @@
             <p:ph idx="1"/>
           </p:nvPr>
         </p:nvSpPr>
-        <p:spPr/>
+        <p:spPr>
+          <a:xfrm>
+            <a:off x="164592" y="1938528"/>
+            <a:ext cx="11850624" cy="4590288"/>
+          </a:xfrm>
+        </p:spPr>
         <p:txBody>
-          <a:bodyPr/>
+          <a:bodyPr>
+            <a:normAutofit/>
+          </a:bodyPr>
           <a:lstStyle/>
           <a:p>
-            <a:endParaRPr lang="ru-RU"/>
+            <a:r>
+              <a:rPr lang="ru-RU" sz="3200" dirty="0"/>
+              <a:t>Под хешированием понимают преобразование входных данных произвольной длины в выходную битовую строку фиксированной длины, выполняемое определённым алгоритмом. Чаще всего хеш-функции применяют в процессе аутентификации пользователя (в базе данных обычно хранится </a:t>
+            </a:r>
+            <a:r>
+              <a:rPr lang="ru-RU" sz="3200" dirty="0" err="1"/>
+              <a:t>хеш</a:t>
+            </a:r>
+            <a:r>
+              <a:rPr lang="ru-RU" sz="3200" dirty="0"/>
+              <a:t> пароля вместо самого пароля) и для вычисления контрольных сумм файлов, пакетов данных и т. п.</a:t>
+            </a:r>
+          </a:p>
+          <a:p>
+            <a:endParaRPr lang="ru-RU" sz="3200" dirty="0"/>
           </a:p>
         </p:txBody>
       </p:sp>
@@ -9174,6 +11274,36 @@
           <a:chExt cx="0" cy="0"/>
         </a:xfrm>
       </p:grpSpPr>
+      <p:pic>
+        <p:nvPicPr>
+          <p:cNvPr id="5" name="Рисунок 4"/>
+          <p:cNvPicPr>
+            <a:picLocks noChangeAspect="1"/>
+          </p:cNvPicPr>
+          <p:nvPr/>
+        </p:nvPicPr>
+        <p:blipFill rotWithShape="1">
+          <a:blip r:embed="rId2">
+            <a:extLst>
+              <a:ext uri="{28A0092B-C50C-407E-A947-70E740481C1C}">
+                <a14:useLocalDpi xmlns:a14="http://schemas.microsoft.com/office/drawing/2010/main" val="0"/>
+              </a:ext>
+            </a:extLst>
+          </a:blip>
+          <a:srcRect t="5418" r="-2" b="-2"/>
+          <a:stretch/>
+        </p:blipFill>
+        <p:spPr>
+          <a:xfrm>
+            <a:off x="5265683" y="715910"/>
+            <a:ext cx="6295695" cy="5716421"/>
+          </a:xfrm>
+          <a:prstGeom prst="rect">
+            <a:avLst/>
+          </a:prstGeom>
+          <a:effectLst/>
+        </p:spPr>
+      </p:pic>
       <p:sp>
         <p:nvSpPr>
           <p:cNvPr id="2" name="Заголовок 1"/>
@@ -9184,12 +11314,36 @@
             <p:ph type="title"/>
           </p:nvPr>
         </p:nvSpPr>
-        <p:spPr/>
+        <p:spPr>
+          <a:xfrm>
+            <a:off x="107860" y="10"/>
+            <a:ext cx="3651467" cy="1676603"/>
+          </a:xfrm>
+        </p:spPr>
         <p:txBody>
-          <a:bodyPr/>
+          <a:bodyPr>
+            <a:normAutofit/>
+          </a:bodyPr>
           <a:lstStyle/>
           <a:p>
-            <a:endParaRPr lang="ru-RU"/>
+            <a:pPr algn="ctr"/>
+            <a:r>
+              <a:rPr lang="en-US" sz="6000" b="1">
+                <a:solidFill>
+                  <a:schemeClr val="accent6">
+                    <a:lumMod val="50000"/>
+                  </a:schemeClr>
+                </a:solidFill>
+              </a:rPr>
+              <a:t>GPU</a:t>
+            </a:r>
+            <a:endParaRPr lang="ru-RU" sz="6000" b="1" dirty="0">
+              <a:solidFill>
+                <a:schemeClr val="accent6">
+                  <a:lumMod val="50000"/>
+                </a:schemeClr>
+              </a:solidFill>
+            </a:endParaRPr>
           </a:p>
         </p:txBody>
       </p:sp>
@@ -9203,19 +11357,32 @@
             <p:ph idx="1"/>
           </p:nvPr>
         </p:nvSpPr>
-        <p:spPr/>
+        <p:spPr>
+          <a:xfrm>
+            <a:off x="107859" y="2183848"/>
+            <a:ext cx="4874043" cy="4248483"/>
+          </a:xfrm>
+        </p:spPr>
         <p:txBody>
-          <a:bodyPr/>
+          <a:bodyPr>
+            <a:normAutofit/>
+          </a:bodyPr>
           <a:lstStyle/>
           <a:p>
-            <a:endParaRPr lang="ru-RU"/>
+            <a:r>
+              <a:rPr lang="ru-RU" dirty="0"/>
+              <a:t>GPU, или Графический процессор, является частью видео системы компьютера. Типичные функции ГПУ - помочь с рендерингом 3D графики и визуальных эффектов.</a:t>
+            </a:r>
+          </a:p>
+          <a:p>
+            <a:endParaRPr lang="ru-RU" dirty="0"/>
           </a:p>
         </p:txBody>
       </p:sp>
     </p:spTree>
     <p:extLst>
       <p:ext uri="{BB962C8B-B14F-4D97-AF65-F5344CB8AC3E}">
-        <p14:creationId xmlns:p14="http://schemas.microsoft.com/office/powerpoint/2010/main" val="2109349206"/>
+        <p14:creationId xmlns:p14="http://schemas.microsoft.com/office/powerpoint/2010/main" val="441895836"/>
       </p:ext>
     </p:extLst>
   </p:cSld>
@@ -9244,6 +11411,66 @@
       </p:grpSpPr>
       <p:sp>
         <p:nvSpPr>
+          <p:cNvPr id="31" name="Rectangle 30"/>
+          <p:cNvSpPr>
+            <a:spLocks noGrp="1" noRot="1" noChangeAspect="1" noMove="1" noResize="1" noEditPoints="1" noAdjustHandles="1" noChangeArrowheads="1" noChangeShapeType="1" noTextEdit="1"/>
+          </p:cNvSpPr>
+          <p:nvPr>
+            <p:extLst>
+              <p:ext uri="{386F3935-93C4-4BCD-93E2-E3B085C9AB24}">
+                <p16:designElem xmlns:p16="http://schemas.microsoft.com/office/powerpoint/2015/main" val="1"/>
+              </p:ext>
+            </p:extLst>
+          </p:nvPr>
+        </p:nvSpPr>
+        <p:spPr bwMode="ltGray">
+          <a:xfrm>
+            <a:off x="6134677" y="303591"/>
+            <a:ext cx="5735590" cy="5896743"/>
+          </a:xfrm>
+          <a:prstGeom prst="rect">
+            <a:avLst/>
+          </a:prstGeom>
+          <a:solidFill>
+            <a:schemeClr val="tx1">
+              <a:alpha val="15000"/>
+            </a:schemeClr>
+          </a:solidFill>
+          <a:ln w="127000" cap="sq" cmpd="thinThick">
+            <a:solidFill>
+              <a:schemeClr val="tx1">
+                <a:alpha val="10000"/>
+              </a:schemeClr>
+            </a:solidFill>
+          </a:ln>
+        </p:spPr>
+        <p:style>
+          <a:lnRef idx="2">
+            <a:schemeClr val="accent1">
+              <a:shade val="50000"/>
+            </a:schemeClr>
+          </a:lnRef>
+          <a:fillRef idx="1">
+            <a:schemeClr val="accent1"/>
+          </a:fillRef>
+          <a:effectRef idx="0">
+            <a:schemeClr val="accent1"/>
+          </a:effectRef>
+          <a:fontRef idx="minor">
+            <a:schemeClr val="lt1"/>
+          </a:fontRef>
+        </p:style>
+        <p:txBody>
+          <a:bodyPr rtlCol="0" anchor="ctr"/>
+          <a:lstStyle/>
+          <a:p>
+            <a:pPr algn="ctr"/>
+            <a:endParaRPr lang="en-US"/>
+          </a:p>
+        </p:txBody>
+      </p:sp>
+      <p:sp>
+        <p:nvSpPr>
           <p:cNvPr id="2" name="Заголовок 1"/>
           <p:cNvSpPr>
             <a:spLocks noGrp="1"/>
@@ -9252,12 +11479,36 @@
             <p:ph type="title"/>
           </p:nvPr>
         </p:nvSpPr>
-        <p:spPr/>
+        <p:spPr>
+          <a:xfrm>
+            <a:off x="6391839" y="303591"/>
+            <a:ext cx="5221266" cy="1344975"/>
+          </a:xfrm>
+        </p:spPr>
         <p:txBody>
-          <a:bodyPr/>
+          <a:bodyPr>
+            <a:normAutofit/>
+          </a:bodyPr>
           <a:lstStyle/>
           <a:p>
-            <a:endParaRPr lang="ru-RU"/>
+            <a:pPr algn="ctr"/>
+            <a:r>
+              <a:rPr lang="ru-RU" sz="6000" b="1" dirty="0" err="1">
+                <a:solidFill>
+                  <a:schemeClr val="accent6">
+                    <a:lumMod val="50000"/>
+                  </a:schemeClr>
+                </a:solidFill>
+              </a:rPr>
+              <a:t>Ахитектура</a:t>
+            </a:r>
+            <a:endParaRPr lang="ru-RU" sz="6000" b="1" dirty="0">
+              <a:solidFill>
+                <a:schemeClr val="accent6">
+                  <a:lumMod val="50000"/>
+                </a:schemeClr>
+              </a:solidFill>
+            </a:endParaRPr>
           </a:p>
         </p:txBody>
       </p:sp>
@@ -9271,19 +11522,101 @@
             <p:ph idx="1"/>
           </p:nvPr>
         </p:nvSpPr>
-        <p:spPr/>
+        <p:spPr>
+          <a:xfrm>
+            <a:off x="6149029" y="1717256"/>
+            <a:ext cx="5721238" cy="3773010"/>
+          </a:xfrm>
+        </p:spPr>
         <p:txBody>
-          <a:bodyPr/>
+          <a:bodyPr>
+            <a:noAutofit/>
+          </a:bodyPr>
           <a:lstStyle/>
           <a:p>
-            <a:endParaRPr lang="ru-RU"/>
+            <a:pPr>
+              <a:lnSpc>
+                <a:spcPct val="80000"/>
+              </a:lnSpc>
+            </a:pPr>
+            <a:r>
+              <a:rPr lang="ru-RU" sz="2400" dirty="0"/>
+              <a:t>GPU состоит из нескольких десятков процессорных ядер, которые можно называть </a:t>
+            </a:r>
+            <a:r>
+              <a:rPr lang="ru-RU" sz="2400" dirty="0" err="1"/>
+              <a:t>минипроцессорами</a:t>
+            </a:r>
+            <a:r>
+              <a:rPr lang="ru-RU" sz="2400" dirty="0"/>
+              <a:t>.</a:t>
+            </a:r>
+          </a:p>
+          <a:p>
+            <a:pPr>
+              <a:lnSpc>
+                <a:spcPct val="80000"/>
+              </a:lnSpc>
+            </a:pPr>
+            <a:r>
+              <a:rPr lang="ru-RU" sz="2400" dirty="0"/>
+              <a:t>Лучше всего представлять GPU как некий многоядерный процессор с большим количеством ядер, исполняющих одновременно множество нитей.</a:t>
+            </a:r>
+          </a:p>
+          <a:p>
+            <a:pPr>
+              <a:lnSpc>
+                <a:spcPct val="80000"/>
+              </a:lnSpc>
+            </a:pPr>
+            <a:r>
+              <a:rPr lang="ru-RU" sz="2400" dirty="0"/>
+              <a:t>Каждый </a:t>
+            </a:r>
+            <a:r>
+              <a:rPr lang="ru-RU" sz="2400" dirty="0" err="1"/>
+              <a:t>минипроцессор</a:t>
+            </a:r>
+            <a:r>
+              <a:rPr lang="ru-RU" sz="2400" dirty="0"/>
+              <a:t> имеет локальную память, которая имеет сходное с кэшем первого уровня время доступа и выполняет аналогичные функции наибыстрейшей доставки данных к функциональным модулям.</a:t>
+            </a:r>
           </a:p>
         </p:txBody>
       </p:sp>
+      <p:pic>
+        <p:nvPicPr>
+          <p:cNvPr id="9" name="Рисунок 8"/>
+          <p:cNvPicPr>
+            <a:picLocks noChangeAspect="1"/>
+          </p:cNvPicPr>
+          <p:nvPr/>
+        </p:nvPicPr>
+        <p:blipFill rotWithShape="1">
+          <a:blip r:embed="rId2">
+            <a:extLst>
+              <a:ext uri="{28A0092B-C50C-407E-A947-70E740481C1C}">
+                <a14:useLocalDpi xmlns:a14="http://schemas.microsoft.com/office/drawing/2010/main" val="0"/>
+              </a:ext>
+            </a:extLst>
+          </a:blip>
+          <a:srcRect l="15728" r="14435"/>
+          <a:stretch/>
+        </p:blipFill>
+        <p:spPr>
+          <a:xfrm>
+            <a:off x="199949" y="1558883"/>
+            <a:ext cx="5675587" cy="3809524"/>
+          </a:xfrm>
+          <a:prstGeom prst="rect">
+            <a:avLst/>
+          </a:prstGeom>
+        </p:spPr>
+      </p:pic>
     </p:spTree>
     <p:extLst>
       <p:ext uri="{BB962C8B-B14F-4D97-AF65-F5344CB8AC3E}">
-        <p14:creationId xmlns:p14="http://schemas.microsoft.com/office/powerpoint/2010/main" val="2740754570"/>
+        <p14:creationId xmlns:p14="http://schemas.microsoft.com/office/powerpoint/2010/main" val="1310335588"/>
       </p:ext>
     </p:extLst>
   </p:cSld>
@@ -9312,25 +11645,6 @@
       </p:grpSpPr>
       <p:sp>
         <p:nvSpPr>
-          <p:cNvPr id="2" name="Заголовок 1"/>
-          <p:cNvSpPr>
-            <a:spLocks noGrp="1"/>
-          </p:cNvSpPr>
-          <p:nvPr>
-            <p:ph type="title"/>
-          </p:nvPr>
-        </p:nvSpPr>
-        <p:spPr/>
-        <p:txBody>
-          <a:bodyPr/>
-          <a:lstStyle/>
-          <a:p>
-            <a:endParaRPr lang="ru-RU"/>
-          </a:p>
-        </p:txBody>
-      </p:sp>
-      <p:sp>
-        <p:nvSpPr>
           <p:cNvPr id="3" name="Объект 2"/>
           <p:cNvSpPr>
             <a:spLocks noGrp="1"/>
@@ -9339,19 +11653,79 @@
             <p:ph idx="1"/>
           </p:nvPr>
         </p:nvSpPr>
-        <p:spPr/>
+        <p:spPr>
+          <a:xfrm>
+            <a:off x="164592" y="1938528"/>
+            <a:ext cx="11850624" cy="4590288"/>
+          </a:xfrm>
+        </p:spPr>
+        <p:txBody>
+          <a:bodyPr>
+            <a:normAutofit/>
+          </a:bodyPr>
+          <a:lstStyle/>
+          <a:p>
+            <a:r>
+              <a:rPr lang="ru-RU" sz="3200" dirty="0"/>
+              <a:t>Кроме локальной памяти в </a:t>
+            </a:r>
+            <a:r>
+              <a:rPr lang="ru-RU" sz="3200" dirty="0" err="1"/>
+              <a:t>минипроцессоре</a:t>
+            </a:r>
+            <a:r>
+              <a:rPr lang="ru-RU" sz="3200" dirty="0"/>
+              <a:t> есть ещё одна область памяти, во всех архитектурах примерно в четыре раза </a:t>
+            </a:r>
+            <a:r>
+              <a:rPr lang="ru-RU" sz="3200" dirty="0" err="1"/>
+              <a:t>бо́льшая</a:t>
+            </a:r>
+            <a:r>
+              <a:rPr lang="ru-RU" sz="3200" dirty="0"/>
+              <a:t> по объему. Она разделена поровну между всеми исполняющимися нитями, это регистры для хранения переменных и промежуточных результатов вычислений.</a:t>
+            </a:r>
+          </a:p>
+        </p:txBody>
+      </p:sp>
+      <p:sp>
+        <p:nvSpPr>
+          <p:cNvPr id="5" name="Заголовок 4"/>
+          <p:cNvSpPr>
+            <a:spLocks noGrp="1"/>
+          </p:cNvSpPr>
+          <p:nvPr>
+            <p:ph type="title"/>
+          </p:nvPr>
+        </p:nvSpPr>
+        <p:spPr>
+          <a:xfrm>
+            <a:off x="164592" y="0"/>
+            <a:ext cx="9220200" cy="1043051"/>
+          </a:xfrm>
+        </p:spPr>
         <p:txBody>
           <a:bodyPr/>
           <a:lstStyle/>
           <a:p>
-            <a:endParaRPr lang="ru-RU"/>
+            <a:r>
+              <a:rPr lang="ru-RU" b="1" dirty="0" err="1">
+                <a:solidFill>
+                  <a:schemeClr val="accent6">
+                    <a:lumMod val="50000"/>
+                  </a:schemeClr>
+                </a:solidFill>
+              </a:rPr>
+              <a:t>Ахитектура</a:t>
+            </a:r>
+            <a:endParaRPr lang="ru-RU" dirty="0"/>
           </a:p>
         </p:txBody>
       </p:sp>
     </p:spTree>
     <p:extLst>
       <p:ext uri="{BB962C8B-B14F-4D97-AF65-F5344CB8AC3E}">
-        <p14:creationId xmlns:p14="http://schemas.microsoft.com/office/powerpoint/2010/main" val="3724629780"/>
+        <p14:creationId xmlns:p14="http://schemas.microsoft.com/office/powerpoint/2010/main" val="4124998462"/>
       </p:ext>
     </p:extLst>
   </p:cSld>
@@ -9388,12 +11762,46 @@
             <p:ph type="title"/>
           </p:nvPr>
         </p:nvSpPr>
-        <p:spPr/>
+        <p:spPr>
+          <a:xfrm>
+            <a:off x="3660648" y="174053"/>
+            <a:ext cx="4858512" cy="1325563"/>
+          </a:xfrm>
+        </p:spPr>
         <p:txBody>
-          <a:bodyPr/>
+          <a:bodyPr>
+            <a:noAutofit/>
+          </a:bodyPr>
           <a:lstStyle/>
           <a:p>
-            <a:endParaRPr lang="ru-RU"/>
+            <a:pPr algn="ctr"/>
+            <a:r>
+              <a:rPr lang="ru-RU" sz="5400" b="1" dirty="0">
+                <a:solidFill>
+                  <a:schemeClr val="accent6">
+                    <a:lumMod val="50000"/>
+                  </a:schemeClr>
+                </a:solidFill>
+              </a:rPr>
+              <a:t>Классические задачи для </a:t>
+            </a:r>
+            <a:r>
+              <a:rPr lang="en-US" sz="5400" b="1" dirty="0">
+                <a:solidFill>
+                  <a:schemeClr val="accent6">
+                    <a:lumMod val="50000"/>
+                  </a:schemeClr>
+                </a:solidFill>
+              </a:rPr>
+              <a:t>GPU</a:t>
+            </a:r>
+            <a:endParaRPr lang="ru-RU" sz="5400" b="1" dirty="0">
+              <a:solidFill>
+                <a:schemeClr val="accent6">
+                  <a:lumMod val="50000"/>
+                </a:schemeClr>
+              </a:solidFill>
+            </a:endParaRPr>
           </a:p>
         </p:txBody>
       </p:sp>
@@ -9407,19 +11815,52 @@
             <p:ph idx="1"/>
           </p:nvPr>
         </p:nvSpPr>
-        <p:spPr/>
+        <p:spPr>
+          <a:xfrm>
+            <a:off x="164592" y="1938528"/>
+            <a:ext cx="11850624" cy="4590288"/>
+          </a:xfrm>
+        </p:spPr>
         <p:txBody>
-          <a:bodyPr/>
+          <a:bodyPr>
+            <a:normAutofit/>
+          </a:bodyPr>
           <a:lstStyle/>
           <a:p>
-            <a:endParaRPr lang="ru-RU"/>
+            <a:r>
+              <a:rPr lang="ru-RU" sz="3200" dirty="0"/>
+              <a:t>задача вычисления взаимодействия N тел, создающих гравитационное поле</a:t>
+            </a:r>
+            <a:br>
+              <a:rPr lang="ru-RU" sz="3200" dirty="0"/>
+            </a:br>
+            <a:endParaRPr lang="en-US" sz="3200" dirty="0"/>
+          </a:p>
+          <a:p>
+            <a:r>
+              <a:rPr lang="ru-RU" sz="3200" dirty="0"/>
+              <a:t>задача расчёта столкновение шаровых скоплений из сотен тысяч звезд</a:t>
+            </a:r>
+            <a:br>
+              <a:rPr lang="ru-RU" sz="3200" dirty="0"/>
+            </a:br>
+            <a:endParaRPr lang="ru-RU" sz="3200" dirty="0"/>
+          </a:p>
+          <a:p>
+            <a:r>
+              <a:rPr lang="ru-RU" sz="3200" dirty="0"/>
+              <a:t>рассчитать варианты эволюции одной системы при различных вариантах начальных скоростей </a:t>
+            </a:r>
+          </a:p>
+          <a:p>
+            <a:endParaRPr lang="ru-RU" sz="3200" dirty="0"/>
           </a:p>
         </p:txBody>
       </p:sp>
     </p:spTree>
     <p:extLst>
       <p:ext uri="{BB962C8B-B14F-4D97-AF65-F5344CB8AC3E}">
-        <p14:creationId xmlns:p14="http://schemas.microsoft.com/office/powerpoint/2010/main" val="1130240564"/>
+        <p14:creationId xmlns:p14="http://schemas.microsoft.com/office/powerpoint/2010/main" val="2813535867"/>
       </p:ext>
     </p:extLst>
   </p:cSld>
@@ -9446,6 +11887,35 @@
           <a:chExt cx="0" cy="0"/>
         </a:xfrm>
       </p:grpSpPr>
+      <p:pic>
+        <p:nvPicPr>
+          <p:cNvPr id="5" name="Рисунок 4"/>
+          <p:cNvPicPr>
+            <a:picLocks noChangeAspect="1"/>
+          </p:cNvPicPr>
+          <p:nvPr/>
+        </p:nvPicPr>
+        <p:blipFill rotWithShape="1">
+          <a:blip r:embed="rId2">
+            <a:extLst>
+              <a:ext uri="{28A0092B-C50C-407E-A947-70E740481C1C}">
+                <a14:useLocalDpi xmlns:a14="http://schemas.microsoft.com/office/drawing/2010/main" val="0"/>
+              </a:ext>
+            </a:extLst>
+          </a:blip>
+          <a:srcRect l="14495" r="2" b="2"/>
+          <a:stretch/>
+        </p:blipFill>
+        <p:spPr>
+          <a:xfrm>
+            <a:off x="6667500" y="1614922"/>
+            <a:ext cx="5074070" cy="4272681"/>
+          </a:xfrm>
+          <a:prstGeom prst="rect">
+            <a:avLst/>
+          </a:prstGeom>
+        </p:spPr>
+      </p:pic>
       <p:sp>
         <p:nvSpPr>
           <p:cNvPr id="2" name="Заголовок 1"/>
@@ -9456,12 +11926,46 @@
             <p:ph type="title"/>
           </p:nvPr>
         </p:nvSpPr>
-        <p:spPr/>
+        <p:spPr>
+          <a:xfrm>
+            <a:off x="2575560" y="-1"/>
+            <a:ext cx="6897624" cy="1325563"/>
+          </a:xfrm>
+        </p:spPr>
         <p:txBody>
-          <a:bodyPr/>
+          <a:bodyPr>
+            <a:normAutofit fontScale="90000"/>
+          </a:bodyPr>
           <a:lstStyle/>
           <a:p>
-            <a:endParaRPr lang="ru-RU"/>
+            <a:pPr algn="ctr"/>
+            <a:r>
+              <a:rPr lang="ru-RU" sz="5400" b="1" dirty="0">
+                <a:solidFill>
+                  <a:schemeClr val="accent6">
+                    <a:lumMod val="50000"/>
+                  </a:schemeClr>
+                </a:solidFill>
+              </a:rPr>
+              <a:t>Кластер Джереми </a:t>
+            </a:r>
+            <a:r>
+              <a:rPr lang="ru-RU" sz="5400" b="1" dirty="0" err="1">
+                <a:solidFill>
+                  <a:schemeClr val="accent6">
+                    <a:lumMod val="50000"/>
+                  </a:schemeClr>
+                </a:solidFill>
+              </a:rPr>
+              <a:t>Госни</a:t>
+            </a:r>
+            <a:endParaRPr lang="ru-RU" sz="5400" b="1" dirty="0">
+              <a:solidFill>
+                <a:schemeClr val="accent6">
+                  <a:lumMod val="50000"/>
+                </a:schemeClr>
+              </a:solidFill>
+            </a:endParaRPr>
           </a:p>
         </p:txBody>
       </p:sp>
@@ -9475,19 +11979,88 @@
             <p:ph idx="1"/>
           </p:nvPr>
         </p:nvSpPr>
-        <p:spPr/>
+        <p:spPr>
+          <a:xfrm>
+            <a:off x="0" y="1325562"/>
+            <a:ext cx="6473952" cy="5532438"/>
+          </a:xfrm>
+        </p:spPr>
         <p:txBody>
-          <a:bodyPr/>
+          <a:bodyPr>
+            <a:normAutofit lnSpcReduction="10000"/>
+          </a:bodyPr>
           <a:lstStyle/>
           <a:p>
-            <a:endParaRPr lang="ru-RU"/>
+            <a:pPr>
+              <a:lnSpc>
+                <a:spcPct val="80000"/>
+              </a:lnSpc>
+            </a:pPr>
+            <a:r>
+              <a:rPr lang="ru-RU" dirty="0"/>
+              <a:t>На конференции Passwords^12 Джереми </a:t>
+            </a:r>
+            <a:r>
+              <a:rPr lang="ru-RU" dirty="0" err="1"/>
+              <a:t>Госни</a:t>
+            </a:r>
+            <a:r>
+              <a:rPr lang="ru-RU" dirty="0"/>
+              <a:t> (</a:t>
+            </a:r>
+            <a:r>
+              <a:rPr lang="ru-RU" dirty="0" err="1"/>
+              <a:t>Jeremi</a:t>
+            </a:r>
+            <a:r>
+              <a:rPr lang="ru-RU" dirty="0"/>
+              <a:t> </a:t>
+            </a:r>
+            <a:r>
+              <a:rPr lang="ru-RU" dirty="0" err="1"/>
+              <a:t>Gosney</a:t>
+            </a:r>
+            <a:r>
+              <a:rPr lang="ru-RU" dirty="0"/>
+              <a:t>) продемонстрировал кластер GPU, позволяющий взламывать пароли за считанные секунды. В нынешней версии кластера используется 14 видеокарт, но теоретически возможно распределение нагрузки до 128 GPU.</a:t>
+            </a:r>
+          </a:p>
+          <a:p>
+            <a:pPr>
+              <a:lnSpc>
+                <a:spcPct val="80000"/>
+              </a:lnSpc>
+            </a:pPr>
+            <a:r>
+              <a:rPr lang="ru-RU" dirty="0"/>
+              <a:t>Кластер "перемалывает" 180 млрд. хэшей MD5 в секунду. Также можно просчитывать до 63 млрд. хэшей SHA1. Намного более сложные хэши </a:t>
+            </a:r>
+            <a:r>
+              <a:rPr lang="ru-RU" dirty="0" err="1"/>
+              <a:t>Bcrypt</a:t>
+            </a:r>
+            <a:r>
+              <a:rPr lang="ru-RU" dirty="0"/>
+              <a:t> и Sha512cryt просчитываются медленнее - до 71 000 или 364 000 комбинаций в секунду.</a:t>
+            </a:r>
+          </a:p>
+          <a:p>
+            <a:pPr>
+              <a:lnSpc>
+                <a:spcPct val="80000"/>
+              </a:lnSpc>
+            </a:pPr>
+            <a:r>
+              <a:rPr lang="ru-RU" dirty="0"/>
+              <a:t>Кластер может просчитывать 384 млрд. хэшей NTLM в секунду</a:t>
+            </a:r>
           </a:p>
         </p:txBody>
       </p:sp>
     </p:spTree>
     <p:extLst>
       <p:ext uri="{BB962C8B-B14F-4D97-AF65-F5344CB8AC3E}">
-        <p14:creationId xmlns:p14="http://schemas.microsoft.com/office/powerpoint/2010/main" val="3892393526"/>
+        <p14:creationId xmlns:p14="http://schemas.microsoft.com/office/powerpoint/2010/main" val="3828909496"/>
       </p:ext>
     </p:extLst>
   </p:cSld>
@@ -9524,12 +12097,36 @@
             <p:ph type="title"/>
           </p:nvPr>
         </p:nvSpPr>
-        <p:spPr/>
+        <p:spPr>
+          <a:xfrm>
+            <a:off x="3660648" y="174053"/>
+            <a:ext cx="4858512" cy="1325563"/>
+          </a:xfrm>
+        </p:spPr>
         <p:txBody>
-          <a:bodyPr/>
+          <a:bodyPr>
+            <a:normAutofit fontScale="90000"/>
+          </a:bodyPr>
           <a:lstStyle/>
           <a:p>
-            <a:endParaRPr lang="ru-RU"/>
+            <a:pPr algn="ctr"/>
+            <a:r>
+              <a:rPr lang="ru-RU" sz="6000" b="1" dirty="0">
+                <a:solidFill>
+                  <a:schemeClr val="accent6">
+                    <a:lumMod val="50000"/>
+                  </a:schemeClr>
+                </a:solidFill>
+              </a:rPr>
+              <a:t>Взлом паролей</a:t>
+            </a:r>
+            <a:endParaRPr lang="ru-RU" sz="8000" b="1" dirty="0">
+              <a:solidFill>
+                <a:schemeClr val="accent6">
+                  <a:lumMod val="50000"/>
+                </a:schemeClr>
+              </a:solidFill>
+            </a:endParaRPr>
           </a:p>
         </p:txBody>
       </p:sp>
@@ -9543,19 +12140,66 @@
             <p:ph idx="1"/>
           </p:nvPr>
         </p:nvSpPr>
-        <p:spPr/>
+        <p:spPr>
+          <a:xfrm>
+            <a:off x="164592" y="1700784"/>
+            <a:ext cx="11850624" cy="5157216"/>
+          </a:xfrm>
+        </p:spPr>
         <p:txBody>
-          <a:bodyPr/>
+          <a:bodyPr>
+            <a:normAutofit lnSpcReduction="10000"/>
+          </a:bodyPr>
           <a:lstStyle/>
           <a:p>
-            <a:endParaRPr lang="ru-RU"/>
+            <a:r>
+              <a:rPr lang="ru-RU" sz="3200" dirty="0"/>
+              <a:t>Производятся попытки угадать пароль, </a:t>
+            </a:r>
+            <a:r>
+              <a:rPr lang="ru-RU" sz="3200" dirty="0" err="1"/>
+              <a:t>хешируя</a:t>
+            </a:r>
+            <a:r>
+              <a:rPr lang="ru-RU" sz="3200" dirty="0"/>
+              <a:t> его и сравнивая полученный </a:t>
+            </a:r>
+            <a:r>
+              <a:rPr lang="ru-RU" sz="3200" dirty="0" err="1"/>
+              <a:t>хеш</a:t>
+            </a:r>
+            <a:r>
+              <a:rPr lang="ru-RU" sz="3200" dirty="0"/>
+              <a:t> с существующим. Если </a:t>
+            </a:r>
+            <a:r>
+              <a:rPr lang="ru-RU" sz="3200" dirty="0" err="1"/>
+              <a:t>хеши</a:t>
+            </a:r>
+            <a:r>
+              <a:rPr lang="ru-RU" sz="3200" dirty="0"/>
+              <a:t> совпали - пароль взломан. Основное отличие между взломом и обычным входом в систему состоит в том, что при взломе производятся сотни тысяч, если не миллионы таких сравнений в секунду.</a:t>
+            </a:r>
+          </a:p>
+          <a:p>
+            <a:r>
+              <a:rPr lang="ru-RU" sz="3200" dirty="0"/>
+              <a:t>В мирных целях можно использовать взлом паролей для восстановления забытых паролей от онлайн аккаунтов, также это используется системными администраторами для профилактики на регулярной основе.</a:t>
+            </a:r>
+          </a:p>
+          <a:p>
+            <a:r>
+              <a:rPr lang="ru-RU" sz="3200" dirty="0"/>
+              <a:t>Для взлома паролей в большинстве случаев используется перебор.</a:t>
+            </a:r>
+            <a:endParaRPr lang="ru-RU" sz="3600" dirty="0"/>
           </a:p>
         </p:txBody>
       </p:sp>
     </p:spTree>
     <p:extLst>
       <p:ext uri="{BB962C8B-B14F-4D97-AF65-F5344CB8AC3E}">
-        <p14:creationId xmlns:p14="http://schemas.microsoft.com/office/powerpoint/2010/main" val="1884653778"/>
+        <p14:creationId xmlns:p14="http://schemas.microsoft.com/office/powerpoint/2010/main" val="3464831410"/>
       </p:ext>
     </p:extLst>
   </p:cSld>
@@ -9858,4 +12502,299 @@
     </a:ext>
   </a:extLst>
 </a:theme>
+</file>
+
+<file path=ppt/theme/theme2.xml><?xml version="1.0" encoding="utf-8"?>
+<a:theme xmlns:a="http://schemas.openxmlformats.org/drawingml/2006/main" name="Тема Office">
+  <a:themeElements>
+    <a:clrScheme name="Стандартная">
+      <a:dk1>
+        <a:sysClr val="windowText" lastClr="000000"/>
+      </a:dk1>
+      <a:lt1>
+        <a:sysClr val="window" lastClr="FFFFFF"/>
+      </a:lt1>
+      <a:dk2>
+        <a:srgbClr val="44546A"/>
+      </a:dk2>
+      <a:lt2>
+        <a:srgbClr val="E7E6E6"/>
+      </a:lt2>
+      <a:accent1>
+        <a:srgbClr val="4472C4"/>
+      </a:accent1>
+      <a:accent2>
+        <a:srgbClr val="ED7D31"/>
+      </a:accent2>
+      <a:accent3>
+        <a:srgbClr val="A5A5A5"/>
+      </a:accent3>
+      <a:accent4>
+        <a:srgbClr val="FFC000"/>
+      </a:accent4>
+      <a:accent5>
+        <a:srgbClr val="5B9BD5"/>
+      </a:accent5>
+      <a:accent6>
+        <a:srgbClr val="70AD47"/>
+      </a:accent6>
+      <a:hlink>
+        <a:srgbClr val="0563C1"/>
+      </a:hlink>
+      <a:folHlink>
+        <a:srgbClr val="954F72"/>
+      </a:folHlink>
+    </a:clrScheme>
+    <a:fontScheme name="Стандартная">
+      <a:majorFont>
+        <a:latin typeface="Calibri Light" panose="020F0302020204030204"/>
+        <a:ea typeface=""/>
+        <a:cs typeface=""/>
+        <a:font script="Jpan" typeface="游ゴシック Light"/>
+        <a:font script="Hang" typeface="맑은 고딕"/>
+        <a:font script="Hans" typeface="等线 Light"/>
+        <a:font script="Hant" typeface="新細明體"/>
+        <a:font script="Arab" typeface="Times New Roman"/>
+        <a:font script="Hebr" typeface="Times New Roman"/>
+        <a:font script="Thai" typeface="Angsana New"/>
+        <a:font script="Ethi" typeface="Nyala"/>
+        <a:font script="Beng" typeface="Vrinda"/>
+        <a:font script="Gujr" typeface="Shruti"/>
+        <a:font script="Khmr" typeface="MoolBoran"/>
+        <a:font script="Knda" typeface="Tunga"/>
+        <a:font script="Guru" typeface="Raavi"/>
+        <a:font script="Cans" typeface="Euphemia"/>
+        <a:font script="Cher" typeface="Plantagenet Cherokee"/>
+        <a:font script="Yiii" typeface="Microsoft Yi Baiti"/>
+        <a:font script="Tibt" typeface="Microsoft Himalaya"/>
+        <a:font script="Thaa" typeface="MV Boli"/>
+        <a:font script="Deva" typeface="Mangal"/>
+        <a:font script="Telu" typeface="Gautami"/>
+        <a:font script="Taml" typeface="Latha"/>
+        <a:font script="Syrc" typeface="Estrangelo Edessa"/>
+        <a:font script="Orya" typeface="Kalinga"/>
+        <a:font script="Mlym" typeface="Kartika"/>
+        <a:font script="Laoo" typeface="DokChampa"/>
+        <a:font script="Sinh" typeface="Iskoola Pota"/>
+        <a:font script="Mong" typeface="Mongolian Baiti"/>
+        <a:font script="Viet" typeface="Times New Roman"/>
+        <a:font script="Uigh" typeface="Microsoft Uighur"/>
+        <a:font script="Geor" typeface="Sylfaen"/>
+        <a:font script="Armn" typeface="Arial"/>
+        <a:font script="Bugi" typeface="Leelawadee UI"/>
+        <a:font script="Bopo" typeface="Microsoft JhengHei"/>
+        <a:font script="Java" typeface="Javanese Text"/>
+        <a:font script="Lisu" typeface="Segoe UI"/>
+        <a:font script="Mymr" typeface="Myanmar Text"/>
+        <a:font script="Nkoo" typeface="Ebrima"/>
+        <a:font script="Olck" typeface="Nirmala UI"/>
+        <a:font script="Osma" typeface="Ebrima"/>
+        <a:font script="Phag" typeface="Phagspa"/>
+        <a:font script="Syrn" typeface="Estrangelo Edessa"/>
+        <a:font script="Syrj" typeface="Estrangelo Edessa"/>
+        <a:font script="Syre" typeface="Estrangelo Edessa"/>
+        <a:font script="Sora" typeface="Nirmala UI"/>
+        <a:font script="Tale" typeface="Microsoft Tai Le"/>
+        <a:font script="Talu" typeface="Microsoft New Tai Lue"/>
+        <a:font script="Tfng" typeface="Ebrima"/>
+      </a:majorFont>
+      <a:minorFont>
+        <a:latin typeface="Calibri" panose="020F0502020204030204"/>
+        <a:ea typeface=""/>
+        <a:cs typeface=""/>
+        <a:font script="Jpan" typeface="游ゴシック"/>
+        <a:font script="Hang" typeface="맑은 고딕"/>
+        <a:font script="Hans" typeface="等线"/>
+        <a:font script="Hant" typeface="新細明體"/>
+        <a:font script="Arab" typeface="Arial"/>
+        <a:font script="Hebr" typeface="Arial"/>
+        <a:font script="Thai" typeface="Cordia New"/>
+        <a:font script="Ethi" typeface="Nyala"/>
+        <a:font script="Beng" typeface="Vrinda"/>
+        <a:font script="Gujr" typeface="Shruti"/>
+        <a:font script="Khmr" typeface="DaunPenh"/>
+        <a:font script="Knda" typeface="Tunga"/>
+        <a:font script="Guru" typeface="Raavi"/>
+        <a:font script="Cans" typeface="Euphemia"/>
+        <a:font script="Cher" typeface="Plantagenet Cherokee"/>
+        <a:font script="Yiii" typeface="Microsoft Yi Baiti"/>
+        <a:font script="Tibt" typeface="Microsoft Himalaya"/>
+        <a:font script="Thaa" typeface="MV Boli"/>
+        <a:font script="Deva" typeface="Mangal"/>
+        <a:font script="Telu" typeface="Gautami"/>
+        <a:font script="Taml" typeface="Latha"/>
+        <a:font script="Syrc" typeface="Estrangelo Edessa"/>
+        <a:font script="Orya" typeface="Kalinga"/>
+        <a:font script="Mlym" typeface="Kartika"/>
+        <a:font script="Laoo" typeface="DokChampa"/>
+        <a:font script="Sinh" typeface="Iskoola Pota"/>
+        <a:font script="Mong" typeface="Mongolian Baiti"/>
+        <a:font script="Viet" typeface="Arial"/>
+        <a:font script="Uigh" typeface="Microsoft Uighur"/>
+        <a:font script="Geor" typeface="Sylfaen"/>
+        <a:font script="Armn" typeface="Arial"/>
+        <a:font script="Bugi" typeface="Leelawadee UI"/>
+        <a:font script="Bopo" typeface="Microsoft JhengHei"/>
+        <a:font script="Java" typeface="Javanese Text"/>
+        <a:font script="Lisu" typeface="Segoe UI"/>
+        <a:font script="Mymr" typeface="Myanmar Text"/>
+        <a:font script="Nkoo" typeface="Ebrima"/>
+        <a:font script="Olck" typeface="Nirmala UI"/>
+        <a:font script="Osma" typeface="Ebrima"/>
+        <a:font script="Phag" typeface="Phagspa"/>
+        <a:font script="Syrn" typeface="Estrangelo Edessa"/>
+        <a:font script="Syrj" typeface="Estrangelo Edessa"/>
+        <a:font script="Syre" typeface="Estrangelo Edessa"/>
+        <a:font script="Sora" typeface="Nirmala UI"/>
+        <a:font script="Tale" typeface="Microsoft Tai Le"/>
+        <a:font script="Talu" typeface="Microsoft New Tai Lue"/>
+        <a:font script="Tfng" typeface="Ebrima"/>
+      </a:minorFont>
+    </a:fontScheme>
+    <a:fmtScheme name="Стандартная">
+      <a:fillStyleLst>
+        <a:solidFill>
+          <a:schemeClr val="phClr"/>
+        </a:solidFill>
+        <a:gradFill rotWithShape="1">
+          <a:gsLst>
+            <a:gs pos="0">
+              <a:schemeClr val="phClr">
+                <a:lumMod val="110000"/>
+                <a:satMod val="105000"/>
+                <a:tint val="67000"/>
+              </a:schemeClr>
+            </a:gs>
+            <a:gs pos="50000">
+              <a:schemeClr val="phClr">
+                <a:lumMod val="105000"/>
+                <a:satMod val="103000"/>
+                <a:tint val="73000"/>
+              </a:schemeClr>
+            </a:gs>
+            <a:gs pos="100000">
+              <a:schemeClr val="phClr">
+                <a:lumMod val="105000"/>
+                <a:satMod val="109000"/>
+                <a:tint val="81000"/>
+              </a:schemeClr>
+            </a:gs>
+          </a:gsLst>
+          <a:lin ang="5400000" scaled="0"/>
+        </a:gradFill>
+        <a:gradFill rotWithShape="1">
+          <a:gsLst>
+            <a:gs pos="0">
+              <a:schemeClr val="phClr">
+                <a:satMod val="103000"/>
+                <a:lumMod val="102000"/>
+                <a:tint val="94000"/>
+              </a:schemeClr>
+            </a:gs>
+            <a:gs pos="50000">
+              <a:schemeClr val="phClr">
+                <a:satMod val="110000"/>
+                <a:lumMod val="100000"/>
+                <a:shade val="100000"/>
+              </a:schemeClr>
+            </a:gs>
+            <a:gs pos="100000">
+              <a:schemeClr val="phClr">
+                <a:lumMod val="99000"/>
+                <a:satMod val="120000"/>
+                <a:shade val="78000"/>
+              </a:schemeClr>
+            </a:gs>
+          </a:gsLst>
+          <a:lin ang="5400000" scaled="0"/>
+        </a:gradFill>
+      </a:fillStyleLst>
+      <a:lnStyleLst>
+        <a:ln w="6350" cap="flat" cmpd="sng" algn="ctr">
+          <a:solidFill>
+            <a:schemeClr val="phClr"/>
+          </a:solidFill>
+          <a:prstDash val="solid"/>
+          <a:miter lim="800000"/>
+        </a:ln>
+        <a:ln w="12700" cap="flat" cmpd="sng" algn="ctr">
+          <a:solidFill>
+            <a:schemeClr val="phClr"/>
+          </a:solidFill>
+          <a:prstDash val="solid"/>
+          <a:miter lim="800000"/>
+        </a:ln>
+        <a:ln w="19050" cap="flat" cmpd="sng" algn="ctr">
+          <a:solidFill>
+            <a:schemeClr val="phClr"/>
+          </a:solidFill>
+          <a:prstDash val="solid"/>
+          <a:miter lim="800000"/>
+        </a:ln>
+      </a:lnStyleLst>
+      <a:effectStyleLst>
+        <a:effectStyle>
+          <a:effectLst/>
+        </a:effectStyle>
+        <a:effectStyle>
+          <a:effectLst/>
+        </a:effectStyle>
+        <a:effectStyle>
+          <a:effectLst>
+            <a:outerShdw blurRad="57150" dist="19050" dir="5400000" algn="ctr" rotWithShape="0">
+              <a:srgbClr val="000000">
+                <a:alpha val="63000"/>
+              </a:srgbClr>
+            </a:outerShdw>
+          </a:effectLst>
+        </a:effectStyle>
+      </a:effectStyleLst>
+      <a:bgFillStyleLst>
+        <a:solidFill>
+          <a:schemeClr val="phClr"/>
+        </a:solidFill>
+        <a:solidFill>
+          <a:schemeClr val="phClr">
+            <a:tint val="95000"/>
+            <a:satMod val="170000"/>
+          </a:schemeClr>
+        </a:solidFill>
+        <a:gradFill rotWithShape="1">
+          <a:gsLst>
+            <a:gs pos="0">
+              <a:schemeClr val="phClr">
+                <a:tint val="93000"/>
+                <a:satMod val="150000"/>
+                <a:shade val="98000"/>
+                <a:lumMod val="102000"/>
+              </a:schemeClr>
+            </a:gs>
+            <a:gs pos="50000">
+              <a:schemeClr val="phClr">
+                <a:tint val="98000"/>
+                <a:satMod val="130000"/>
+                <a:shade val="90000"/>
+                <a:lumMod val="103000"/>
+              </a:schemeClr>
+            </a:gs>
+            <a:gs pos="100000">
+              <a:schemeClr val="phClr">
+                <a:shade val="63000"/>
+                <a:satMod val="120000"/>
+              </a:schemeClr>
+            </a:gs>
+          </a:gsLst>
+          <a:lin ang="5400000" scaled="0"/>
+        </a:gradFill>
+      </a:bgFillStyleLst>
+    </a:fmtScheme>
+  </a:themeElements>
+  <a:objectDefaults/>
+  <a:extraClrSchemeLst/>
+  <a:extLst>
+    <a:ext uri="{05A4C25C-085E-4340-85A3-A5531E510DB2}">
+      <thm15:themeFamily xmlns:thm15="http://schemas.microsoft.com/office/thememl/2012/main" name="Office Theme" id="{62F939B6-93AF-4DB8-9C6B-D6C7DFDC589F}" vid="{4A3C46E8-61CC-4603-A589-7422A47A8E4A}"/>
+    </a:ext>
+  </a:extLst>
+</a:theme>
 </file>